--- a/10|2-6/2023-10-6/kanji-reading.pptx
+++ b/10|2-6/2023-10-6/kanji-reading.pptx
@@ -2033,6 +2033,42 @@
         </p:nvSpPr>
         <p:spPr>
           <a:xfrm>
+            <a:off x="0" y="548640"/>
+            <a:ext cx="9144000" cy="1828800"/>
+          </a:xfrm>
+          <a:prstGeom prst="rect">
+            <a:avLst/>
+          </a:prstGeom>
+          <a:noFill/>
+          <a:ln/>
+        </p:spPr>
+        <p:txBody>
+          <a:bodyPr wrap="square" rtlCol="0" anchor="ctr"/>
+          <a:lstStyle/>
+          <a:p>
+            <a:pPr algn="ctr" indent="0" marL="0">
+              <a:buNone/>
+            </a:pPr>
+            <a:r>
+              <a:rPr lang="en-US" sz="4800" dirty="0">
+                <a:solidFill>
+                  <a:srgbClr val="000000"/>
+                </a:solidFill>
+              </a:rPr>
+              <a:t>境</a:t>
+            </a:r>
+            <a:endParaRPr lang="en-US" sz="4800" dirty="0"/>
+          </a:p>
+        </p:txBody>
+      </p:sp>
+      <p:sp>
+        <p:nvSpPr>
+          <p:cNvPr id="3" name="Text 1"/>
+          <p:cNvSpPr/>
+          <p:nvPr/>
+        </p:nvSpPr>
+        <p:spPr>
+          <a:xfrm>
             <a:off x="0" y="914400"/>
             <a:ext cx="9144000" cy="1828800"/>
           </a:xfrm>
@@ -2049,35 +2085,33 @@
             <a:pPr algn="ctr" indent="0" marL="0">
               <a:buNone/>
             </a:pPr>
-            <a:r>
-              <a:rPr lang="en-US" sz="4800" dirty="0">
-                <a:solidFill>
-                  <a:srgbClr val="000000"/>
-                </a:solidFill>
-              </a:rPr>
-              <a:t>境</a:t>
-            </a:r>
-            <a:endParaRPr lang="en-US" sz="4800" dirty="0"/>
-          </a:p>
-          <a:p>
-            <a:pPr algn="ctr" indent="0" marL="0">
-              <a:buNone/>
-            </a:pPr>
-            <a:r>
-              <a:rPr lang="en-US" sz="4800" dirty="0">
-                <a:solidFill>
-                  <a:srgbClr val="000000"/>
+            <a:endParaRPr lang="en-US" sz="3600" dirty="0"/>
+          </a:p>
+          <a:p>
+            <a:pPr algn="ctr" indent="0" marL="0">
+              <a:buNone/>
+            </a:pPr>
+            <a:endParaRPr lang="en-US" sz="3600" dirty="0"/>
+          </a:p>
+          <a:p>
+            <a:pPr algn="ctr" indent="0" marL="0">
+              <a:buNone/>
+            </a:pPr>
+            <a:r>
+              <a:rPr lang="en-US" sz="3600" dirty="0">
+                <a:solidFill>
+                  <a:srgbClr val="404040"/>
                 </a:solidFill>
               </a:rPr>
               <a:t>さかい</a:t>
             </a:r>
-            <a:endParaRPr lang="en-US" sz="4800" dirty="0"/>
-          </a:p>
-        </p:txBody>
-      </p:sp>
-      <p:sp>
-        <p:nvSpPr>
-          <p:cNvPr id="3" name="Text 1"/>
+            <a:endParaRPr lang="en-US" sz="3600" dirty="0"/>
+          </a:p>
+        </p:txBody>
+      </p:sp>
+      <p:sp>
+        <p:nvSpPr>
+          <p:cNvPr id="4" name="Text 2"/>
           <p:cNvSpPr/>
           <p:nvPr/>
         </p:nvSpPr>
@@ -2102,7 +2136,7 @@
             <a:r>
               <a:rPr lang="en-US" sz="3600" dirty="0">
                 <a:solidFill>
-                  <a:srgbClr val="000000"/>
+                  <a:srgbClr val="808080"/>
                 </a:solidFill>
               </a:rPr>
               <a:t>border, boundary | turning point, watershed | area, region, spot, space, environment | psychological state, mental state ...</a:t>
@@ -2113,32 +2147,32 @@
       </p:sp>
       <p:sp>
         <p:nvSpPr>
-          <p:cNvPr id="4" name="Text 2"/>
-          <p:cNvSpPr/>
-          <p:nvPr/>
-        </p:nvSpPr>
-        <p:spPr>
-          <a:xfrm>
-            <a:off x="0" y="4572000"/>
-            <a:ext cx="7315200" cy="1828800"/>
-          </a:xfrm>
-          <a:prstGeom prst="rect">
-            <a:avLst/>
-          </a:prstGeom>
-          <a:noFill/>
-          <a:ln/>
-        </p:spPr>
-        <p:txBody>
-          <a:bodyPr wrap="square" rtlCol="0" anchor="ctr"/>
-          <a:lstStyle/>
-          <a:p>
-            <a:pPr algn="l" indent="0" marL="0">
+          <p:cNvPr id="5" name="Text 3"/>
+          <p:cNvSpPr/>
+          <p:nvPr/>
+        </p:nvSpPr>
+        <p:spPr>
+          <a:xfrm>
+            <a:off x="0" y="3657600"/>
+            <a:ext cx="8686800" cy="1828800"/>
+          </a:xfrm>
+          <a:prstGeom prst="rect">
+            <a:avLst/>
+          </a:prstGeom>
+          <a:noFill/>
+          <a:ln/>
+        </p:spPr>
+        <p:txBody>
+          <a:bodyPr wrap="square" rtlCol="0" anchor="ctr"/>
+          <a:lstStyle/>
+          <a:p>
+            <a:pPr algn="r" indent="0" marL="0">
               <a:buNone/>
             </a:pPr>
             <a:r>
               <a:rPr lang="en-US" sz="2400" dirty="0">
                 <a:solidFill>
-                  <a:srgbClr val="000000"/>
+                  <a:srgbClr val="808080"/>
                 </a:solidFill>
               </a:rPr>
               <a:t>69-70</a:t>
@@ -2180,6 +2214,42 @@
         </p:nvSpPr>
         <p:spPr>
           <a:xfrm>
+            <a:off x="0" y="548640"/>
+            <a:ext cx="9144000" cy="1828800"/>
+          </a:xfrm>
+          <a:prstGeom prst="rect">
+            <a:avLst/>
+          </a:prstGeom>
+          <a:noFill/>
+          <a:ln/>
+        </p:spPr>
+        <p:txBody>
+          <a:bodyPr wrap="square" rtlCol="0" anchor="ctr"/>
+          <a:lstStyle/>
+          <a:p>
+            <a:pPr algn="ctr" indent="0" marL="0">
+              <a:buNone/>
+            </a:pPr>
+            <a:r>
+              <a:rPr lang="en-US" sz="4800" dirty="0">
+                <a:solidFill>
+                  <a:srgbClr val="000000"/>
+                </a:solidFill>
+              </a:rPr>
+              <a:t>回路</a:t>
+            </a:r>
+            <a:endParaRPr lang="en-US" sz="4800" dirty="0"/>
+          </a:p>
+        </p:txBody>
+      </p:sp>
+      <p:sp>
+        <p:nvSpPr>
+          <p:cNvPr id="3" name="Text 1"/>
+          <p:cNvSpPr/>
+          <p:nvPr/>
+        </p:nvSpPr>
+        <p:spPr>
+          <a:xfrm>
             <a:off x="0" y="914400"/>
             <a:ext cx="9144000" cy="1828800"/>
           </a:xfrm>
@@ -2196,35 +2266,33 @@
             <a:pPr algn="ctr" indent="0" marL="0">
               <a:buNone/>
             </a:pPr>
-            <a:r>
-              <a:rPr lang="en-US" sz="4800" dirty="0">
-                <a:solidFill>
-                  <a:srgbClr val="000000"/>
-                </a:solidFill>
-              </a:rPr>
-              <a:t>回路</a:t>
-            </a:r>
-            <a:endParaRPr lang="en-US" sz="4800" dirty="0"/>
-          </a:p>
-          <a:p>
-            <a:pPr algn="ctr" indent="0" marL="0">
-              <a:buNone/>
-            </a:pPr>
-            <a:r>
-              <a:rPr lang="en-US" sz="4800" dirty="0">
-                <a:solidFill>
-                  <a:srgbClr val="000000"/>
+            <a:endParaRPr lang="en-US" sz="3600" dirty="0"/>
+          </a:p>
+          <a:p>
+            <a:pPr algn="ctr" indent="0" marL="0">
+              <a:buNone/>
+            </a:pPr>
+            <a:endParaRPr lang="en-US" sz="3600" dirty="0"/>
+          </a:p>
+          <a:p>
+            <a:pPr algn="ctr" indent="0" marL="0">
+              <a:buNone/>
+            </a:pPr>
+            <a:r>
+              <a:rPr lang="en-US" sz="3600" dirty="0">
+                <a:solidFill>
+                  <a:srgbClr val="404040"/>
                 </a:solidFill>
               </a:rPr>
               <a:t>かいろ</a:t>
             </a:r>
-            <a:endParaRPr lang="en-US" sz="4800" dirty="0"/>
-          </a:p>
-        </p:txBody>
-      </p:sp>
-      <p:sp>
-        <p:nvSpPr>
-          <p:cNvPr id="3" name="Text 1"/>
+            <a:endParaRPr lang="en-US" sz="3600" dirty="0"/>
+          </a:p>
+        </p:txBody>
+      </p:sp>
+      <p:sp>
+        <p:nvSpPr>
+          <p:cNvPr id="4" name="Text 2"/>
           <p:cNvSpPr/>
           <p:nvPr/>
         </p:nvSpPr>
@@ -2249,7 +2317,7 @@
             <a:r>
               <a:rPr lang="en-US" sz="3600" dirty="0">
                 <a:solidFill>
-                  <a:srgbClr val="000000"/>
+                  <a:srgbClr val="808080"/>
                 </a:solidFill>
               </a:rPr>
               <a:t>circuit (electric) | cycle (e.g. Krebs cycle)...</a:t>
@@ -2260,32 +2328,32 @@
       </p:sp>
       <p:sp>
         <p:nvSpPr>
-          <p:cNvPr id="4" name="Text 2"/>
-          <p:cNvSpPr/>
-          <p:nvPr/>
-        </p:nvSpPr>
-        <p:spPr>
-          <a:xfrm>
-            <a:off x="0" y="4572000"/>
-            <a:ext cx="7315200" cy="1828800"/>
-          </a:xfrm>
-          <a:prstGeom prst="rect">
-            <a:avLst/>
-          </a:prstGeom>
-          <a:noFill/>
-          <a:ln/>
-        </p:spPr>
-        <p:txBody>
-          <a:bodyPr wrap="square" rtlCol="0" anchor="ctr"/>
-          <a:lstStyle/>
-          <a:p>
-            <a:pPr algn="l" indent="0" marL="0">
+          <p:cNvPr id="5" name="Text 3"/>
+          <p:cNvSpPr/>
+          <p:nvPr/>
+        </p:nvSpPr>
+        <p:spPr>
+          <a:xfrm>
+            <a:off x="0" y="3657600"/>
+            <a:ext cx="8686800" cy="1828800"/>
+          </a:xfrm>
+          <a:prstGeom prst="rect">
+            <a:avLst/>
+          </a:prstGeom>
+          <a:noFill/>
+          <a:ln/>
+        </p:spPr>
+        <p:txBody>
+          <a:bodyPr wrap="square" rtlCol="0" anchor="ctr"/>
+          <a:lstStyle/>
+          <a:p>
+            <a:pPr algn="r" indent="0" marL="0">
               <a:buNone/>
             </a:pPr>
             <a:r>
               <a:rPr lang="en-US" sz="2400" dirty="0">
                 <a:solidFill>
-                  <a:srgbClr val="000000"/>
+                  <a:srgbClr val="808080"/>
                 </a:solidFill>
               </a:rPr>
               <a:t>69-70</a:t>
@@ -2327,6 +2395,42 @@
         </p:nvSpPr>
         <p:spPr>
           <a:xfrm>
+            <a:off x="0" y="548640"/>
+            <a:ext cx="9144000" cy="1828800"/>
+          </a:xfrm>
+          <a:prstGeom prst="rect">
+            <a:avLst/>
+          </a:prstGeom>
+          <a:noFill/>
+          <a:ln/>
+        </p:spPr>
+        <p:txBody>
+          <a:bodyPr wrap="square" rtlCol="0" anchor="ctr"/>
+          <a:lstStyle/>
+          <a:p>
+            <a:pPr algn="ctr" indent="0" marL="0">
+              <a:buNone/>
+            </a:pPr>
+            <a:r>
+              <a:rPr lang="en-US" sz="4800" dirty="0">
+                <a:solidFill>
+                  <a:srgbClr val="000000"/>
+                </a:solidFill>
+              </a:rPr>
+              <a:t>換える</a:t>
+            </a:r>
+            <a:endParaRPr lang="en-US" sz="4800" dirty="0"/>
+          </a:p>
+        </p:txBody>
+      </p:sp>
+      <p:sp>
+        <p:nvSpPr>
+          <p:cNvPr id="3" name="Text 1"/>
+          <p:cNvSpPr/>
+          <p:nvPr/>
+        </p:nvSpPr>
+        <p:spPr>
+          <a:xfrm>
             <a:off x="0" y="914400"/>
             <a:ext cx="9144000" cy="1828800"/>
           </a:xfrm>
@@ -2343,35 +2447,33 @@
             <a:pPr algn="ctr" indent="0" marL="0">
               <a:buNone/>
             </a:pPr>
-            <a:r>
-              <a:rPr lang="en-US" sz="4800" dirty="0">
-                <a:solidFill>
-                  <a:srgbClr val="000000"/>
-                </a:solidFill>
-              </a:rPr>
-              <a:t>換える</a:t>
-            </a:r>
-            <a:endParaRPr lang="en-US" sz="4800" dirty="0"/>
-          </a:p>
-          <a:p>
-            <a:pPr algn="ctr" indent="0" marL="0">
-              <a:buNone/>
-            </a:pPr>
-            <a:r>
-              <a:rPr lang="en-US" sz="4800" dirty="0">
-                <a:solidFill>
-                  <a:srgbClr val="000000"/>
+            <a:endParaRPr lang="en-US" sz="3600" dirty="0"/>
+          </a:p>
+          <a:p>
+            <a:pPr algn="ctr" indent="0" marL="0">
+              <a:buNone/>
+            </a:pPr>
+            <a:endParaRPr lang="en-US" sz="3600" dirty="0"/>
+          </a:p>
+          <a:p>
+            <a:pPr algn="ctr" indent="0" marL="0">
+              <a:buNone/>
+            </a:pPr>
+            <a:r>
+              <a:rPr lang="en-US" sz="3600" dirty="0">
+                <a:solidFill>
+                  <a:srgbClr val="404040"/>
                 </a:solidFill>
               </a:rPr>
               <a:t>かえる</a:t>
             </a:r>
-            <a:endParaRPr lang="en-US" sz="4800" dirty="0"/>
-          </a:p>
-        </p:txBody>
-      </p:sp>
-      <p:sp>
-        <p:nvSpPr>
-          <p:cNvPr id="3" name="Text 1"/>
+            <a:endParaRPr lang="en-US" sz="3600" dirty="0"/>
+          </a:p>
+        </p:txBody>
+      </p:sp>
+      <p:sp>
+        <p:nvSpPr>
+          <p:cNvPr id="4" name="Text 2"/>
           <p:cNvSpPr/>
           <p:nvPr/>
         </p:nvSpPr>
@@ -2396,7 +2498,7 @@
             <a:r>
               <a:rPr lang="en-US" sz="3600" dirty="0">
                 <a:solidFill>
-                  <a:srgbClr val="000000"/>
+                  <a:srgbClr val="808080"/>
                 </a:solidFill>
               </a:rPr>
               <a:t>to replace | to exchange, to interchange | to substitute...</a:t>
@@ -2407,32 +2509,32 @@
       </p:sp>
       <p:sp>
         <p:nvSpPr>
-          <p:cNvPr id="4" name="Text 2"/>
-          <p:cNvSpPr/>
-          <p:nvPr/>
-        </p:nvSpPr>
-        <p:spPr>
-          <a:xfrm>
-            <a:off x="0" y="4572000"/>
-            <a:ext cx="7315200" cy="1828800"/>
-          </a:xfrm>
-          <a:prstGeom prst="rect">
-            <a:avLst/>
-          </a:prstGeom>
-          <a:noFill/>
-          <a:ln/>
-        </p:spPr>
-        <p:txBody>
-          <a:bodyPr wrap="square" rtlCol="0" anchor="ctr"/>
-          <a:lstStyle/>
-          <a:p>
-            <a:pPr algn="l" indent="0" marL="0">
+          <p:cNvPr id="5" name="Text 3"/>
+          <p:cNvSpPr/>
+          <p:nvPr/>
+        </p:nvSpPr>
+        <p:spPr>
+          <a:xfrm>
+            <a:off x="0" y="3657600"/>
+            <a:ext cx="8686800" cy="1828800"/>
+          </a:xfrm>
+          <a:prstGeom prst="rect">
+            <a:avLst/>
+          </a:prstGeom>
+          <a:noFill/>
+          <a:ln/>
+        </p:spPr>
+        <p:txBody>
+          <a:bodyPr wrap="square" rtlCol="0" anchor="ctr"/>
+          <a:lstStyle/>
+          <a:p>
+            <a:pPr algn="r" indent="0" marL="0">
               <a:buNone/>
             </a:pPr>
             <a:r>
               <a:rPr lang="en-US" sz="2400" dirty="0">
                 <a:solidFill>
-                  <a:srgbClr val="000000"/>
+                  <a:srgbClr val="808080"/>
                 </a:solidFill>
               </a:rPr>
               <a:t>69-70</a:t>
@@ -2474,6 +2576,42 @@
         </p:nvSpPr>
         <p:spPr>
           <a:xfrm>
+            <a:off x="0" y="548640"/>
+            <a:ext cx="9144000" cy="1828800"/>
+          </a:xfrm>
+          <a:prstGeom prst="rect">
+            <a:avLst/>
+          </a:prstGeom>
+          <a:noFill/>
+          <a:ln/>
+        </p:spPr>
+        <p:txBody>
+          <a:bodyPr wrap="square" rtlCol="0" anchor="ctr"/>
+          <a:lstStyle/>
+          <a:p>
+            <a:pPr algn="ctr" indent="0" marL="0">
+              <a:buNone/>
+            </a:pPr>
+            <a:r>
+              <a:rPr lang="en-US" sz="4800" dirty="0">
+                <a:solidFill>
+                  <a:srgbClr val="000000"/>
+                </a:solidFill>
+              </a:rPr>
+              <a:t>代替</a:t>
+            </a:r>
+            <a:endParaRPr lang="en-US" sz="4800" dirty="0"/>
+          </a:p>
+        </p:txBody>
+      </p:sp>
+      <p:sp>
+        <p:nvSpPr>
+          <p:cNvPr id="3" name="Text 1"/>
+          <p:cNvSpPr/>
+          <p:nvPr/>
+        </p:nvSpPr>
+        <p:spPr>
+          <a:xfrm>
             <a:off x="0" y="914400"/>
             <a:ext cx="9144000" cy="1828800"/>
           </a:xfrm>
@@ -2490,35 +2628,33 @@
             <a:pPr algn="ctr" indent="0" marL="0">
               <a:buNone/>
             </a:pPr>
-            <a:r>
-              <a:rPr lang="en-US" sz="4800" dirty="0">
-                <a:solidFill>
-                  <a:srgbClr val="000000"/>
-                </a:solidFill>
-              </a:rPr>
-              <a:t>代替</a:t>
-            </a:r>
-            <a:endParaRPr lang="en-US" sz="4800" dirty="0"/>
-          </a:p>
-          <a:p>
-            <a:pPr algn="ctr" indent="0" marL="0">
-              <a:buNone/>
-            </a:pPr>
-            <a:r>
-              <a:rPr lang="en-US" sz="4800" dirty="0">
-                <a:solidFill>
-                  <a:srgbClr val="000000"/>
+            <a:endParaRPr lang="en-US" sz="3600" dirty="0"/>
+          </a:p>
+          <a:p>
+            <a:pPr algn="ctr" indent="0" marL="0">
+              <a:buNone/>
+            </a:pPr>
+            <a:endParaRPr lang="en-US" sz="3600" dirty="0"/>
+          </a:p>
+          <a:p>
+            <a:pPr algn="ctr" indent="0" marL="0">
+              <a:buNone/>
+            </a:pPr>
+            <a:r>
+              <a:rPr lang="en-US" sz="3600" dirty="0">
+                <a:solidFill>
+                  <a:srgbClr val="404040"/>
                 </a:solidFill>
               </a:rPr>
               <a:t>だいたい</a:t>
             </a:r>
-            <a:endParaRPr lang="en-US" sz="4800" dirty="0"/>
-          </a:p>
-        </p:txBody>
-      </p:sp>
-      <p:sp>
-        <p:nvSpPr>
-          <p:cNvPr id="3" name="Text 1"/>
+            <a:endParaRPr lang="en-US" sz="3600" dirty="0"/>
+          </a:p>
+        </p:txBody>
+      </p:sp>
+      <p:sp>
+        <p:nvSpPr>
+          <p:cNvPr id="4" name="Text 2"/>
           <p:cNvSpPr/>
           <p:nvPr/>
         </p:nvSpPr>
@@ -2543,7 +2679,7 @@
             <a:r>
               <a:rPr lang="en-US" sz="3600" dirty="0">
                 <a:solidFill>
-                  <a:srgbClr val="000000"/>
+                  <a:srgbClr val="808080"/>
                 </a:solidFill>
               </a:rPr>
               <a:t>substitution | alternative, substitute...</a:t>
@@ -2554,32 +2690,32 @@
       </p:sp>
       <p:sp>
         <p:nvSpPr>
-          <p:cNvPr id="4" name="Text 2"/>
-          <p:cNvSpPr/>
-          <p:nvPr/>
-        </p:nvSpPr>
-        <p:spPr>
-          <a:xfrm>
-            <a:off x="0" y="4572000"/>
-            <a:ext cx="7315200" cy="1828800"/>
-          </a:xfrm>
-          <a:prstGeom prst="rect">
-            <a:avLst/>
-          </a:prstGeom>
-          <a:noFill/>
-          <a:ln/>
-        </p:spPr>
-        <p:txBody>
-          <a:bodyPr wrap="square" rtlCol="0" anchor="ctr"/>
-          <a:lstStyle/>
-          <a:p>
-            <a:pPr algn="l" indent="0" marL="0">
+          <p:cNvPr id="5" name="Text 3"/>
+          <p:cNvSpPr/>
+          <p:nvPr/>
+        </p:nvSpPr>
+        <p:spPr>
+          <a:xfrm>
+            <a:off x="0" y="3657600"/>
+            <a:ext cx="8686800" cy="1828800"/>
+          </a:xfrm>
+          <a:prstGeom prst="rect">
+            <a:avLst/>
+          </a:prstGeom>
+          <a:noFill/>
+          <a:ln/>
+        </p:spPr>
+        <p:txBody>
+          <a:bodyPr wrap="square" rtlCol="0" anchor="ctr"/>
+          <a:lstStyle/>
+          <a:p>
+            <a:pPr algn="r" indent="0" marL="0">
               <a:buNone/>
             </a:pPr>
             <a:r>
               <a:rPr lang="en-US" sz="2400" dirty="0">
                 <a:solidFill>
-                  <a:srgbClr val="000000"/>
+                  <a:srgbClr val="808080"/>
                 </a:solidFill>
               </a:rPr>
               <a:t>69-70</a:t>
@@ -2621,6 +2757,42 @@
         </p:nvSpPr>
         <p:spPr>
           <a:xfrm>
+            <a:off x="0" y="548640"/>
+            <a:ext cx="9144000" cy="1828800"/>
+          </a:xfrm>
+          <a:prstGeom prst="rect">
+            <a:avLst/>
+          </a:prstGeom>
+          <a:noFill/>
+          <a:ln/>
+        </p:spPr>
+        <p:txBody>
+          <a:bodyPr wrap="square" rtlCol="0" anchor="ctr"/>
+          <a:lstStyle/>
+          <a:p>
+            <a:pPr algn="ctr" indent="0" marL="0">
+              <a:buNone/>
+            </a:pPr>
+            <a:r>
+              <a:rPr lang="en-US" sz="4800" dirty="0">
+                <a:solidFill>
+                  <a:srgbClr val="000000"/>
+                </a:solidFill>
+              </a:rPr>
+              <a:t>携わる</a:t>
+            </a:r>
+            <a:endParaRPr lang="en-US" sz="4800" dirty="0"/>
+          </a:p>
+        </p:txBody>
+      </p:sp>
+      <p:sp>
+        <p:nvSpPr>
+          <p:cNvPr id="3" name="Text 1"/>
+          <p:cNvSpPr/>
+          <p:nvPr/>
+        </p:nvSpPr>
+        <p:spPr>
+          <a:xfrm>
             <a:off x="0" y="914400"/>
             <a:ext cx="9144000" cy="1828800"/>
           </a:xfrm>
@@ -2637,35 +2809,33 @@
             <a:pPr algn="ctr" indent="0" marL="0">
               <a:buNone/>
             </a:pPr>
-            <a:r>
-              <a:rPr lang="en-US" sz="4800" dirty="0">
-                <a:solidFill>
-                  <a:srgbClr val="000000"/>
-                </a:solidFill>
-              </a:rPr>
-              <a:t>携わる</a:t>
-            </a:r>
-            <a:endParaRPr lang="en-US" sz="4800" dirty="0"/>
-          </a:p>
-          <a:p>
-            <a:pPr algn="ctr" indent="0" marL="0">
-              <a:buNone/>
-            </a:pPr>
-            <a:r>
-              <a:rPr lang="en-US" sz="4800" dirty="0">
-                <a:solidFill>
-                  <a:srgbClr val="000000"/>
+            <a:endParaRPr lang="en-US" sz="3600" dirty="0"/>
+          </a:p>
+          <a:p>
+            <a:pPr algn="ctr" indent="0" marL="0">
+              <a:buNone/>
+            </a:pPr>
+            <a:endParaRPr lang="en-US" sz="3600" dirty="0"/>
+          </a:p>
+          <a:p>
+            <a:pPr algn="ctr" indent="0" marL="0">
+              <a:buNone/>
+            </a:pPr>
+            <a:r>
+              <a:rPr lang="en-US" sz="3600" dirty="0">
+                <a:solidFill>
+                  <a:srgbClr val="404040"/>
                 </a:solidFill>
               </a:rPr>
               <a:t>たずさわる</a:t>
             </a:r>
-            <a:endParaRPr lang="en-US" sz="4800" dirty="0"/>
-          </a:p>
-        </p:txBody>
-      </p:sp>
-      <p:sp>
-        <p:nvSpPr>
-          <p:cNvPr id="3" name="Text 1"/>
+            <a:endParaRPr lang="en-US" sz="3600" dirty="0"/>
+          </a:p>
+        </p:txBody>
+      </p:sp>
+      <p:sp>
+        <p:nvSpPr>
+          <p:cNvPr id="4" name="Text 2"/>
           <p:cNvSpPr/>
           <p:nvPr/>
         </p:nvSpPr>
@@ -2690,7 +2860,7 @@
             <a:r>
               <a:rPr lang="en-US" sz="3600" dirty="0">
                 <a:solidFill>
-                  <a:srgbClr val="000000"/>
+                  <a:srgbClr val="808080"/>
                 </a:solidFill>
               </a:rPr>
               <a:t>to engage in, to participate in, to take part in, to be involved in...</a:t>
@@ -2701,32 +2871,32 @@
       </p:sp>
       <p:sp>
         <p:nvSpPr>
-          <p:cNvPr id="4" name="Text 2"/>
-          <p:cNvSpPr/>
-          <p:nvPr/>
-        </p:nvSpPr>
-        <p:spPr>
-          <a:xfrm>
-            <a:off x="0" y="4572000"/>
-            <a:ext cx="7315200" cy="1828800"/>
-          </a:xfrm>
-          <a:prstGeom prst="rect">
-            <a:avLst/>
-          </a:prstGeom>
-          <a:noFill/>
-          <a:ln/>
-        </p:spPr>
-        <p:txBody>
-          <a:bodyPr wrap="square" rtlCol="0" anchor="ctr"/>
-          <a:lstStyle/>
-          <a:p>
-            <a:pPr algn="l" indent="0" marL="0">
+          <p:cNvPr id="5" name="Text 3"/>
+          <p:cNvSpPr/>
+          <p:nvPr/>
+        </p:nvSpPr>
+        <p:spPr>
+          <a:xfrm>
+            <a:off x="0" y="3657600"/>
+            <a:ext cx="8686800" cy="1828800"/>
+          </a:xfrm>
+          <a:prstGeom prst="rect">
+            <a:avLst/>
+          </a:prstGeom>
+          <a:noFill/>
+          <a:ln/>
+        </p:spPr>
+        <p:txBody>
+          <a:bodyPr wrap="square" rtlCol="0" anchor="ctr"/>
+          <a:lstStyle/>
+          <a:p>
+            <a:pPr algn="r" indent="0" marL="0">
               <a:buNone/>
             </a:pPr>
             <a:r>
               <a:rPr lang="en-US" sz="2400" dirty="0">
                 <a:solidFill>
-                  <a:srgbClr val="000000"/>
+                  <a:srgbClr val="808080"/>
                 </a:solidFill>
               </a:rPr>
               <a:t>69-70</a:t>
@@ -2768,6 +2938,42 @@
         </p:nvSpPr>
         <p:spPr>
           <a:xfrm>
+            <a:off x="0" y="548640"/>
+            <a:ext cx="9144000" cy="1828800"/>
+          </a:xfrm>
+          <a:prstGeom prst="rect">
+            <a:avLst/>
+          </a:prstGeom>
+          <a:noFill/>
+          <a:ln/>
+        </p:spPr>
+        <p:txBody>
+          <a:bodyPr wrap="square" rtlCol="0" anchor="ctr"/>
+          <a:lstStyle/>
+          <a:p>
+            <a:pPr algn="ctr" indent="0" marL="0">
+              <a:buNone/>
+            </a:pPr>
+            <a:r>
+              <a:rPr lang="en-US" sz="4800" dirty="0">
+                <a:solidFill>
+                  <a:srgbClr val="000000"/>
+                </a:solidFill>
+              </a:rPr>
+              <a:t>連携</a:t>
+            </a:r>
+            <a:endParaRPr lang="en-US" sz="4800" dirty="0"/>
+          </a:p>
+        </p:txBody>
+      </p:sp>
+      <p:sp>
+        <p:nvSpPr>
+          <p:cNvPr id="3" name="Text 1"/>
+          <p:cNvSpPr/>
+          <p:nvPr/>
+        </p:nvSpPr>
+        <p:spPr>
+          <a:xfrm>
             <a:off x="0" y="914400"/>
             <a:ext cx="9144000" cy="1828800"/>
           </a:xfrm>
@@ -2784,35 +2990,33 @@
             <a:pPr algn="ctr" indent="0" marL="0">
               <a:buNone/>
             </a:pPr>
-            <a:r>
-              <a:rPr lang="en-US" sz="4800" dirty="0">
-                <a:solidFill>
-                  <a:srgbClr val="000000"/>
-                </a:solidFill>
-              </a:rPr>
-              <a:t>連携</a:t>
-            </a:r>
-            <a:endParaRPr lang="en-US" sz="4800" dirty="0"/>
-          </a:p>
-          <a:p>
-            <a:pPr algn="ctr" indent="0" marL="0">
-              <a:buNone/>
-            </a:pPr>
-            <a:r>
-              <a:rPr lang="en-US" sz="4800" dirty="0">
-                <a:solidFill>
-                  <a:srgbClr val="000000"/>
+            <a:endParaRPr lang="en-US" sz="3600" dirty="0"/>
+          </a:p>
+          <a:p>
+            <a:pPr algn="ctr" indent="0" marL="0">
+              <a:buNone/>
+            </a:pPr>
+            <a:endParaRPr lang="en-US" sz="3600" dirty="0"/>
+          </a:p>
+          <a:p>
+            <a:pPr algn="ctr" indent="0" marL="0">
+              <a:buNone/>
+            </a:pPr>
+            <a:r>
+              <a:rPr lang="en-US" sz="3600" dirty="0">
+                <a:solidFill>
+                  <a:srgbClr val="404040"/>
                 </a:solidFill>
               </a:rPr>
               <a:t>れんけい</a:t>
             </a:r>
-            <a:endParaRPr lang="en-US" sz="4800" dirty="0"/>
-          </a:p>
-        </p:txBody>
-      </p:sp>
-      <p:sp>
-        <p:nvSpPr>
-          <p:cNvPr id="3" name="Text 1"/>
+            <a:endParaRPr lang="en-US" sz="3600" dirty="0"/>
+          </a:p>
+        </p:txBody>
+      </p:sp>
+      <p:sp>
+        <p:nvSpPr>
+          <p:cNvPr id="4" name="Text 2"/>
           <p:cNvSpPr/>
           <p:nvPr/>
         </p:nvSpPr>
@@ -2837,7 +3041,7 @@
             <a:r>
               <a:rPr lang="en-US" sz="3600" dirty="0">
                 <a:solidFill>
-                  <a:srgbClr val="000000"/>
+                  <a:srgbClr val="808080"/>
                 </a:solidFill>
               </a:rPr>
               <a:t>cooperation, coordination, link...</a:t>
@@ -2848,32 +3052,32 @@
       </p:sp>
       <p:sp>
         <p:nvSpPr>
-          <p:cNvPr id="4" name="Text 2"/>
-          <p:cNvSpPr/>
-          <p:nvPr/>
-        </p:nvSpPr>
-        <p:spPr>
-          <a:xfrm>
-            <a:off x="0" y="4572000"/>
-            <a:ext cx="7315200" cy="1828800"/>
-          </a:xfrm>
-          <a:prstGeom prst="rect">
-            <a:avLst/>
-          </a:prstGeom>
-          <a:noFill/>
-          <a:ln/>
-        </p:spPr>
-        <p:txBody>
-          <a:bodyPr wrap="square" rtlCol="0" anchor="ctr"/>
-          <a:lstStyle/>
-          <a:p>
-            <a:pPr algn="l" indent="0" marL="0">
+          <p:cNvPr id="5" name="Text 3"/>
+          <p:cNvSpPr/>
+          <p:nvPr/>
+        </p:nvSpPr>
+        <p:spPr>
+          <a:xfrm>
+            <a:off x="0" y="3657600"/>
+            <a:ext cx="8686800" cy="1828800"/>
+          </a:xfrm>
+          <a:prstGeom prst="rect">
+            <a:avLst/>
+          </a:prstGeom>
+          <a:noFill/>
+          <a:ln/>
+        </p:spPr>
+        <p:txBody>
+          <a:bodyPr wrap="square" rtlCol="0" anchor="ctr"/>
+          <a:lstStyle/>
+          <a:p>
+            <a:pPr algn="r" indent="0" marL="0">
               <a:buNone/>
             </a:pPr>
             <a:r>
               <a:rPr lang="en-US" sz="2400" dirty="0">
                 <a:solidFill>
-                  <a:srgbClr val="000000"/>
+                  <a:srgbClr val="808080"/>
                 </a:solidFill>
               </a:rPr>
               <a:t>69-70</a:t>
@@ -2915,6 +3119,42 @@
         </p:nvSpPr>
         <p:spPr>
           <a:xfrm>
+            <a:off x="0" y="548640"/>
+            <a:ext cx="9144000" cy="1828800"/>
+          </a:xfrm>
+          <a:prstGeom prst="rect">
+            <a:avLst/>
+          </a:prstGeom>
+          <a:noFill/>
+          <a:ln/>
+        </p:spPr>
+        <p:txBody>
+          <a:bodyPr wrap="square" rtlCol="0" anchor="ctr"/>
+          <a:lstStyle/>
+          <a:p>
+            <a:pPr algn="ctr" indent="0" marL="0">
+              <a:buNone/>
+            </a:pPr>
+            <a:r>
+              <a:rPr lang="en-US" sz="4800" dirty="0">
+                <a:solidFill>
+                  <a:srgbClr val="000000"/>
+                </a:solidFill>
+              </a:rPr>
+              <a:t>環境</a:t>
+            </a:r>
+            <a:endParaRPr lang="en-US" sz="4800" dirty="0"/>
+          </a:p>
+        </p:txBody>
+      </p:sp>
+      <p:sp>
+        <p:nvSpPr>
+          <p:cNvPr id="3" name="Text 1"/>
+          <p:cNvSpPr/>
+          <p:nvPr/>
+        </p:nvSpPr>
+        <p:spPr>
+          <a:xfrm>
             <a:off x="0" y="914400"/>
             <a:ext cx="9144000" cy="1828800"/>
           </a:xfrm>
@@ -2931,35 +3171,33 @@
             <a:pPr algn="ctr" indent="0" marL="0">
               <a:buNone/>
             </a:pPr>
-            <a:r>
-              <a:rPr lang="en-US" sz="4800" dirty="0">
-                <a:solidFill>
-                  <a:srgbClr val="000000"/>
-                </a:solidFill>
-              </a:rPr>
-              <a:t>環境</a:t>
-            </a:r>
-            <a:endParaRPr lang="en-US" sz="4800" dirty="0"/>
-          </a:p>
-          <a:p>
-            <a:pPr algn="ctr" indent="0" marL="0">
-              <a:buNone/>
-            </a:pPr>
-            <a:r>
-              <a:rPr lang="en-US" sz="4800" dirty="0">
-                <a:solidFill>
-                  <a:srgbClr val="000000"/>
+            <a:endParaRPr lang="en-US" sz="3600" dirty="0"/>
+          </a:p>
+          <a:p>
+            <a:pPr algn="ctr" indent="0" marL="0">
+              <a:buNone/>
+            </a:pPr>
+            <a:endParaRPr lang="en-US" sz="3600" dirty="0"/>
+          </a:p>
+          <a:p>
+            <a:pPr algn="ctr" indent="0" marL="0">
+              <a:buNone/>
+            </a:pPr>
+            <a:r>
+              <a:rPr lang="en-US" sz="3600" dirty="0">
+                <a:solidFill>
+                  <a:srgbClr val="404040"/>
                 </a:solidFill>
               </a:rPr>
               <a:t>かんきょう</a:t>
             </a:r>
-            <a:endParaRPr lang="en-US" sz="4800" dirty="0"/>
-          </a:p>
-        </p:txBody>
-      </p:sp>
-      <p:sp>
-        <p:nvSpPr>
-          <p:cNvPr id="3" name="Text 1"/>
+            <a:endParaRPr lang="en-US" sz="3600" dirty="0"/>
+          </a:p>
+        </p:txBody>
+      </p:sp>
+      <p:sp>
+        <p:nvSpPr>
+          <p:cNvPr id="4" name="Text 2"/>
           <p:cNvSpPr/>
           <p:nvPr/>
         </p:nvSpPr>
@@ -2984,7 +3222,7 @@
             <a:r>
               <a:rPr lang="en-US" sz="3600" dirty="0">
                 <a:solidFill>
-                  <a:srgbClr val="000000"/>
+                  <a:srgbClr val="808080"/>
                 </a:solidFill>
               </a:rPr>
               <a:t>environment, circumstance...</a:t>
@@ -2995,32 +3233,32 @@
       </p:sp>
       <p:sp>
         <p:nvSpPr>
-          <p:cNvPr id="4" name="Text 2"/>
-          <p:cNvSpPr/>
-          <p:nvPr/>
-        </p:nvSpPr>
-        <p:spPr>
-          <a:xfrm>
-            <a:off x="0" y="4572000"/>
-            <a:ext cx="7315200" cy="1828800"/>
-          </a:xfrm>
-          <a:prstGeom prst="rect">
-            <a:avLst/>
-          </a:prstGeom>
-          <a:noFill/>
-          <a:ln/>
-        </p:spPr>
-        <p:txBody>
-          <a:bodyPr wrap="square" rtlCol="0" anchor="ctr"/>
-          <a:lstStyle/>
-          <a:p>
-            <a:pPr algn="l" indent="0" marL="0">
+          <p:cNvPr id="5" name="Text 3"/>
+          <p:cNvSpPr/>
+          <p:nvPr/>
+        </p:nvSpPr>
+        <p:spPr>
+          <a:xfrm>
+            <a:off x="0" y="3657600"/>
+            <a:ext cx="8686800" cy="1828800"/>
+          </a:xfrm>
+          <a:prstGeom prst="rect">
+            <a:avLst/>
+          </a:prstGeom>
+          <a:noFill/>
+          <a:ln/>
+        </p:spPr>
+        <p:txBody>
+          <a:bodyPr wrap="square" rtlCol="0" anchor="ctr"/>
+          <a:lstStyle/>
+          <a:p>
+            <a:pPr algn="r" indent="0" marL="0">
               <a:buNone/>
             </a:pPr>
             <a:r>
               <a:rPr lang="en-US" sz="2400" dirty="0">
                 <a:solidFill>
-                  <a:srgbClr val="000000"/>
+                  <a:srgbClr val="808080"/>
                 </a:solidFill>
               </a:rPr>
               <a:t>69-70</a:t>
@@ -3062,6 +3300,42 @@
         </p:nvSpPr>
         <p:spPr>
           <a:xfrm>
+            <a:off x="0" y="548640"/>
+            <a:ext cx="9144000" cy="1828800"/>
+          </a:xfrm>
+          <a:prstGeom prst="rect">
+            <a:avLst/>
+          </a:prstGeom>
+          <a:noFill/>
+          <a:ln/>
+        </p:spPr>
+        <p:txBody>
+          <a:bodyPr wrap="square" rtlCol="0" anchor="ctr"/>
+          <a:lstStyle/>
+          <a:p>
+            <a:pPr algn="ctr" indent="0" marL="0">
+              <a:buNone/>
+            </a:pPr>
+            <a:r>
+              <a:rPr lang="en-US" sz="4800" dirty="0">
+                <a:solidFill>
+                  <a:srgbClr val="000000"/>
+                </a:solidFill>
+              </a:rPr>
+              <a:t>音響</a:t>
+            </a:r>
+            <a:endParaRPr lang="en-US" sz="4800" dirty="0"/>
+          </a:p>
+        </p:txBody>
+      </p:sp>
+      <p:sp>
+        <p:nvSpPr>
+          <p:cNvPr id="3" name="Text 1"/>
+          <p:cNvSpPr/>
+          <p:nvPr/>
+        </p:nvSpPr>
+        <p:spPr>
+          <a:xfrm>
             <a:off x="0" y="914400"/>
             <a:ext cx="9144000" cy="1828800"/>
           </a:xfrm>
@@ -3078,35 +3352,33 @@
             <a:pPr algn="ctr" indent="0" marL="0">
               <a:buNone/>
             </a:pPr>
-            <a:r>
-              <a:rPr lang="en-US" sz="4800" dirty="0">
-                <a:solidFill>
-                  <a:srgbClr val="000000"/>
-                </a:solidFill>
-              </a:rPr>
-              <a:t>音響</a:t>
-            </a:r>
-            <a:endParaRPr lang="en-US" sz="4800" dirty="0"/>
-          </a:p>
-          <a:p>
-            <a:pPr algn="ctr" indent="0" marL="0">
-              <a:buNone/>
-            </a:pPr>
-            <a:r>
-              <a:rPr lang="en-US" sz="4800" dirty="0">
-                <a:solidFill>
-                  <a:srgbClr val="000000"/>
+            <a:endParaRPr lang="en-US" sz="3600" dirty="0"/>
+          </a:p>
+          <a:p>
+            <a:pPr algn="ctr" indent="0" marL="0">
+              <a:buNone/>
+            </a:pPr>
+            <a:endParaRPr lang="en-US" sz="3600" dirty="0"/>
+          </a:p>
+          <a:p>
+            <a:pPr algn="ctr" indent="0" marL="0">
+              <a:buNone/>
+            </a:pPr>
+            <a:r>
+              <a:rPr lang="en-US" sz="3600" dirty="0">
+                <a:solidFill>
+                  <a:srgbClr val="404040"/>
                 </a:solidFill>
               </a:rPr>
               <a:t>おんきょう</a:t>
             </a:r>
-            <a:endParaRPr lang="en-US" sz="4800" dirty="0"/>
-          </a:p>
-        </p:txBody>
-      </p:sp>
-      <p:sp>
-        <p:nvSpPr>
-          <p:cNvPr id="3" name="Text 1"/>
+            <a:endParaRPr lang="en-US" sz="3600" dirty="0"/>
+          </a:p>
+        </p:txBody>
+      </p:sp>
+      <p:sp>
+        <p:nvSpPr>
+          <p:cNvPr id="4" name="Text 2"/>
           <p:cNvSpPr/>
           <p:nvPr/>
         </p:nvSpPr>
@@ -3131,7 +3403,7 @@
             <a:r>
               <a:rPr lang="en-US" sz="3600" dirty="0">
                 <a:solidFill>
-                  <a:srgbClr val="000000"/>
+                  <a:srgbClr val="808080"/>
                 </a:solidFill>
               </a:rPr>
               <a:t>sound, noise, acoustics, reverberation, echo, audio...</a:t>
@@ -3142,32 +3414,32 @@
       </p:sp>
       <p:sp>
         <p:nvSpPr>
-          <p:cNvPr id="4" name="Text 2"/>
-          <p:cNvSpPr/>
-          <p:nvPr/>
-        </p:nvSpPr>
-        <p:spPr>
-          <a:xfrm>
-            <a:off x="0" y="4572000"/>
-            <a:ext cx="7315200" cy="1828800"/>
-          </a:xfrm>
-          <a:prstGeom prst="rect">
-            <a:avLst/>
-          </a:prstGeom>
-          <a:noFill/>
-          <a:ln/>
-        </p:spPr>
-        <p:txBody>
-          <a:bodyPr wrap="square" rtlCol="0" anchor="ctr"/>
-          <a:lstStyle/>
-          <a:p>
-            <a:pPr algn="l" indent="0" marL="0">
+          <p:cNvPr id="5" name="Text 3"/>
+          <p:cNvSpPr/>
+          <p:nvPr/>
+        </p:nvSpPr>
+        <p:spPr>
+          <a:xfrm>
+            <a:off x="0" y="3657600"/>
+            <a:ext cx="8686800" cy="1828800"/>
+          </a:xfrm>
+          <a:prstGeom prst="rect">
+            <a:avLst/>
+          </a:prstGeom>
+          <a:noFill/>
+          <a:ln/>
+        </p:spPr>
+        <p:txBody>
+          <a:bodyPr wrap="square" rtlCol="0" anchor="ctr"/>
+          <a:lstStyle/>
+          <a:p>
+            <a:pPr algn="r" indent="0" marL="0">
               <a:buNone/>
             </a:pPr>
             <a:r>
               <a:rPr lang="en-US" sz="2400" dirty="0">
                 <a:solidFill>
-                  <a:srgbClr val="000000"/>
+                  <a:srgbClr val="808080"/>
                 </a:solidFill>
               </a:rPr>
               <a:t>69-70</a:t>
@@ -3209,6 +3481,42 @@
         </p:nvSpPr>
         <p:spPr>
           <a:xfrm>
+            <a:off x="0" y="548640"/>
+            <a:ext cx="9144000" cy="1828800"/>
+          </a:xfrm>
+          <a:prstGeom prst="rect">
+            <a:avLst/>
+          </a:prstGeom>
+          <a:noFill/>
+          <a:ln/>
+        </p:spPr>
+        <p:txBody>
+          <a:bodyPr wrap="square" rtlCol="0" anchor="ctr"/>
+          <a:lstStyle/>
+          <a:p>
+            <a:pPr algn="ctr" indent="0" marL="0">
+              <a:buNone/>
+            </a:pPr>
+            <a:r>
+              <a:rPr lang="en-US" sz="4800" dirty="0">
+                <a:solidFill>
+                  <a:srgbClr val="000000"/>
+                </a:solidFill>
+              </a:rPr>
+              <a:t>影</a:t>
+            </a:r>
+            <a:endParaRPr lang="en-US" sz="4800" dirty="0"/>
+          </a:p>
+        </p:txBody>
+      </p:sp>
+      <p:sp>
+        <p:nvSpPr>
+          <p:cNvPr id="3" name="Text 1"/>
+          <p:cNvSpPr/>
+          <p:nvPr/>
+        </p:nvSpPr>
+        <p:spPr>
+          <a:xfrm>
             <a:off x="0" y="914400"/>
             <a:ext cx="9144000" cy="1828800"/>
           </a:xfrm>
@@ -3225,35 +3533,33 @@
             <a:pPr algn="ctr" indent="0" marL="0">
               <a:buNone/>
             </a:pPr>
-            <a:r>
-              <a:rPr lang="en-US" sz="4800" dirty="0">
-                <a:solidFill>
-                  <a:srgbClr val="000000"/>
-                </a:solidFill>
-              </a:rPr>
-              <a:t>影</a:t>
-            </a:r>
-            <a:endParaRPr lang="en-US" sz="4800" dirty="0"/>
-          </a:p>
-          <a:p>
-            <a:pPr algn="ctr" indent="0" marL="0">
-              <a:buNone/>
-            </a:pPr>
-            <a:r>
-              <a:rPr lang="en-US" sz="4800" dirty="0">
-                <a:solidFill>
-                  <a:srgbClr val="000000"/>
+            <a:endParaRPr lang="en-US" sz="3600" dirty="0"/>
+          </a:p>
+          <a:p>
+            <a:pPr algn="ctr" indent="0" marL="0">
+              <a:buNone/>
+            </a:pPr>
+            <a:endParaRPr lang="en-US" sz="3600" dirty="0"/>
+          </a:p>
+          <a:p>
+            <a:pPr algn="ctr" indent="0" marL="0">
+              <a:buNone/>
+            </a:pPr>
+            <a:r>
+              <a:rPr lang="en-US" sz="3600" dirty="0">
+                <a:solidFill>
+                  <a:srgbClr val="404040"/>
                 </a:solidFill>
               </a:rPr>
               <a:t>かげ</a:t>
             </a:r>
-            <a:endParaRPr lang="en-US" sz="4800" dirty="0"/>
-          </a:p>
-        </p:txBody>
-      </p:sp>
-      <p:sp>
-        <p:nvSpPr>
-          <p:cNvPr id="3" name="Text 1"/>
+            <a:endParaRPr lang="en-US" sz="3600" dirty="0"/>
+          </a:p>
+        </p:txBody>
+      </p:sp>
+      <p:sp>
+        <p:nvSpPr>
+          <p:cNvPr id="4" name="Text 2"/>
           <p:cNvSpPr/>
           <p:nvPr/>
         </p:nvSpPr>
@@ -3278,7 +3584,7 @@
             <a:r>
               <a:rPr lang="en-US" sz="3600" dirty="0">
                 <a:solidFill>
-                  <a:srgbClr val="000000"/>
+                  <a:srgbClr val="808080"/>
                 </a:solidFill>
               </a:rPr>
               <a:t>shadow, silhouette, figure, shape | reflection, image | ominous sign | light (stars, moon) | trace, shadow (of one's form...</a:t>
@@ -3289,32 +3595,32 @@
       </p:sp>
       <p:sp>
         <p:nvSpPr>
-          <p:cNvPr id="4" name="Text 2"/>
-          <p:cNvSpPr/>
-          <p:nvPr/>
-        </p:nvSpPr>
-        <p:spPr>
-          <a:xfrm>
-            <a:off x="0" y="4572000"/>
-            <a:ext cx="7315200" cy="1828800"/>
-          </a:xfrm>
-          <a:prstGeom prst="rect">
-            <a:avLst/>
-          </a:prstGeom>
-          <a:noFill/>
-          <a:ln/>
-        </p:spPr>
-        <p:txBody>
-          <a:bodyPr wrap="square" rtlCol="0" anchor="ctr"/>
-          <a:lstStyle/>
-          <a:p>
-            <a:pPr algn="l" indent="0" marL="0">
+          <p:cNvPr id="5" name="Text 3"/>
+          <p:cNvSpPr/>
+          <p:nvPr/>
+        </p:nvSpPr>
+        <p:spPr>
+          <a:xfrm>
+            <a:off x="0" y="3657600"/>
+            <a:ext cx="8686800" cy="1828800"/>
+          </a:xfrm>
+          <a:prstGeom prst="rect">
+            <a:avLst/>
+          </a:prstGeom>
+          <a:noFill/>
+          <a:ln/>
+        </p:spPr>
+        <p:txBody>
+          <a:bodyPr wrap="square" rtlCol="0" anchor="ctr"/>
+          <a:lstStyle/>
+          <a:p>
+            <a:pPr algn="r" indent="0" marL="0">
               <a:buNone/>
             </a:pPr>
             <a:r>
               <a:rPr lang="en-US" sz="2400" dirty="0">
                 <a:solidFill>
-                  <a:srgbClr val="000000"/>
+                  <a:srgbClr val="808080"/>
                 </a:solidFill>
               </a:rPr>
               <a:t>69-70</a:t>
@@ -3356,6 +3662,42 @@
         </p:nvSpPr>
         <p:spPr>
           <a:xfrm>
+            <a:off x="0" y="548640"/>
+            <a:ext cx="9144000" cy="1828800"/>
+          </a:xfrm>
+          <a:prstGeom prst="rect">
+            <a:avLst/>
+          </a:prstGeom>
+          <a:noFill/>
+          <a:ln/>
+        </p:spPr>
+        <p:txBody>
+          <a:bodyPr wrap="square" rtlCol="0" anchor="ctr"/>
+          <a:lstStyle/>
+          <a:p>
+            <a:pPr algn="ctr" indent="0" marL="0">
+              <a:buNone/>
+            </a:pPr>
+            <a:r>
+              <a:rPr lang="en-US" sz="4800" dirty="0">
+                <a:solidFill>
+                  <a:srgbClr val="000000"/>
+                </a:solidFill>
+              </a:rPr>
+              <a:t>影響</a:t>
+            </a:r>
+            <a:endParaRPr lang="en-US" sz="4800" dirty="0"/>
+          </a:p>
+        </p:txBody>
+      </p:sp>
+      <p:sp>
+        <p:nvSpPr>
+          <p:cNvPr id="3" name="Text 1"/>
+          <p:cNvSpPr/>
+          <p:nvPr/>
+        </p:nvSpPr>
+        <p:spPr>
+          <a:xfrm>
             <a:off x="0" y="914400"/>
             <a:ext cx="9144000" cy="1828800"/>
           </a:xfrm>
@@ -3372,35 +3714,33 @@
             <a:pPr algn="ctr" indent="0" marL="0">
               <a:buNone/>
             </a:pPr>
-            <a:r>
-              <a:rPr lang="en-US" sz="4800" dirty="0">
-                <a:solidFill>
-                  <a:srgbClr val="000000"/>
-                </a:solidFill>
-              </a:rPr>
-              <a:t>影響</a:t>
-            </a:r>
-            <a:endParaRPr lang="en-US" sz="4800" dirty="0"/>
-          </a:p>
-          <a:p>
-            <a:pPr algn="ctr" indent="0" marL="0">
-              <a:buNone/>
-            </a:pPr>
-            <a:r>
-              <a:rPr lang="en-US" sz="4800" dirty="0">
-                <a:solidFill>
-                  <a:srgbClr val="000000"/>
+            <a:endParaRPr lang="en-US" sz="3600" dirty="0"/>
+          </a:p>
+          <a:p>
+            <a:pPr algn="ctr" indent="0" marL="0">
+              <a:buNone/>
+            </a:pPr>
+            <a:endParaRPr lang="en-US" sz="3600" dirty="0"/>
+          </a:p>
+          <a:p>
+            <a:pPr algn="ctr" indent="0" marL="0">
+              <a:buNone/>
+            </a:pPr>
+            <a:r>
+              <a:rPr lang="en-US" sz="3600" dirty="0">
+                <a:solidFill>
+                  <a:srgbClr val="404040"/>
                 </a:solidFill>
               </a:rPr>
               <a:t>えいきょう</a:t>
             </a:r>
-            <a:endParaRPr lang="en-US" sz="4800" dirty="0"/>
-          </a:p>
-        </p:txBody>
-      </p:sp>
-      <p:sp>
-        <p:nvSpPr>
-          <p:cNvPr id="3" name="Text 1"/>
+            <a:endParaRPr lang="en-US" sz="3600" dirty="0"/>
+          </a:p>
+        </p:txBody>
+      </p:sp>
+      <p:sp>
+        <p:nvSpPr>
+          <p:cNvPr id="4" name="Text 2"/>
           <p:cNvSpPr/>
           <p:nvPr/>
         </p:nvSpPr>
@@ -3425,7 +3765,7 @@
             <a:r>
               <a:rPr lang="en-US" sz="3600" dirty="0">
                 <a:solidFill>
-                  <a:srgbClr val="000000"/>
+                  <a:srgbClr val="808080"/>
                 </a:solidFill>
               </a:rPr>
               <a:t>influence, effect, impact...</a:t>
@@ -3436,32 +3776,32 @@
       </p:sp>
       <p:sp>
         <p:nvSpPr>
-          <p:cNvPr id="4" name="Text 2"/>
-          <p:cNvSpPr/>
-          <p:nvPr/>
-        </p:nvSpPr>
-        <p:spPr>
-          <a:xfrm>
-            <a:off x="0" y="4572000"/>
-            <a:ext cx="7315200" cy="1828800"/>
-          </a:xfrm>
-          <a:prstGeom prst="rect">
-            <a:avLst/>
-          </a:prstGeom>
-          <a:noFill/>
-          <a:ln/>
-        </p:spPr>
-        <p:txBody>
-          <a:bodyPr wrap="square" rtlCol="0" anchor="ctr"/>
-          <a:lstStyle/>
-          <a:p>
-            <a:pPr algn="l" indent="0" marL="0">
+          <p:cNvPr id="5" name="Text 3"/>
+          <p:cNvSpPr/>
+          <p:nvPr/>
+        </p:nvSpPr>
+        <p:spPr>
+          <a:xfrm>
+            <a:off x="0" y="3657600"/>
+            <a:ext cx="8686800" cy="1828800"/>
+          </a:xfrm>
+          <a:prstGeom prst="rect">
+            <a:avLst/>
+          </a:prstGeom>
+          <a:noFill/>
+          <a:ln/>
+        </p:spPr>
+        <p:txBody>
+          <a:bodyPr wrap="square" rtlCol="0" anchor="ctr"/>
+          <a:lstStyle/>
+          <a:p>
+            <a:pPr algn="r" indent="0" marL="0">
               <a:buNone/>
             </a:pPr>
             <a:r>
               <a:rPr lang="en-US" sz="2400" dirty="0">
                 <a:solidFill>
-                  <a:srgbClr val="000000"/>
+                  <a:srgbClr val="808080"/>
                 </a:solidFill>
               </a:rPr>
               <a:t>69-70</a:t>
@@ -3503,6 +3843,42 @@
         </p:nvSpPr>
         <p:spPr>
           <a:xfrm>
+            <a:off x="0" y="548640"/>
+            <a:ext cx="9144000" cy="1828800"/>
+          </a:xfrm>
+          <a:prstGeom prst="rect">
+            <a:avLst/>
+          </a:prstGeom>
+          <a:noFill/>
+          <a:ln/>
+        </p:spPr>
+        <p:txBody>
+          <a:bodyPr wrap="square" rtlCol="0" anchor="ctr"/>
+          <a:lstStyle/>
+          <a:p>
+            <a:pPr algn="ctr" indent="0" marL="0">
+              <a:buNone/>
+            </a:pPr>
+            <a:r>
+              <a:rPr lang="en-US" sz="4800" dirty="0">
+                <a:solidFill>
+                  <a:srgbClr val="000000"/>
+                </a:solidFill>
+              </a:rPr>
+              <a:t>感染</a:t>
+            </a:r>
+            <a:endParaRPr lang="en-US" sz="4800" dirty="0"/>
+          </a:p>
+        </p:txBody>
+      </p:sp>
+      <p:sp>
+        <p:nvSpPr>
+          <p:cNvPr id="3" name="Text 1"/>
+          <p:cNvSpPr/>
+          <p:nvPr/>
+        </p:nvSpPr>
+        <p:spPr>
+          <a:xfrm>
             <a:off x="0" y="914400"/>
             <a:ext cx="9144000" cy="1828800"/>
           </a:xfrm>
@@ -3519,35 +3895,33 @@
             <a:pPr algn="ctr" indent="0" marL="0">
               <a:buNone/>
             </a:pPr>
-            <a:r>
-              <a:rPr lang="en-US" sz="4800" dirty="0">
-                <a:solidFill>
-                  <a:srgbClr val="000000"/>
-                </a:solidFill>
-              </a:rPr>
-              <a:t>感染</a:t>
-            </a:r>
-            <a:endParaRPr lang="en-US" sz="4800" dirty="0"/>
-          </a:p>
-          <a:p>
-            <a:pPr algn="ctr" indent="0" marL="0">
-              <a:buNone/>
-            </a:pPr>
-            <a:r>
-              <a:rPr lang="en-US" sz="4800" dirty="0">
-                <a:solidFill>
-                  <a:srgbClr val="000000"/>
+            <a:endParaRPr lang="en-US" sz="3600" dirty="0"/>
+          </a:p>
+          <a:p>
+            <a:pPr algn="ctr" indent="0" marL="0">
+              <a:buNone/>
+            </a:pPr>
+            <a:endParaRPr lang="en-US" sz="3600" dirty="0"/>
+          </a:p>
+          <a:p>
+            <a:pPr algn="ctr" indent="0" marL="0">
+              <a:buNone/>
+            </a:pPr>
+            <a:r>
+              <a:rPr lang="en-US" sz="3600" dirty="0">
+                <a:solidFill>
+                  <a:srgbClr val="404040"/>
                 </a:solidFill>
               </a:rPr>
               <a:t>かんせん</a:t>
             </a:r>
-            <a:endParaRPr lang="en-US" sz="4800" dirty="0"/>
-          </a:p>
-        </p:txBody>
-      </p:sp>
-      <p:sp>
-        <p:nvSpPr>
-          <p:cNvPr id="3" name="Text 1"/>
+            <a:endParaRPr lang="en-US" sz="3600" dirty="0"/>
+          </a:p>
+        </p:txBody>
+      </p:sp>
+      <p:sp>
+        <p:nvSpPr>
+          <p:cNvPr id="4" name="Text 2"/>
           <p:cNvSpPr/>
           <p:nvPr/>
         </p:nvSpPr>
@@ -3572,7 +3946,7 @@
             <a:r>
               <a:rPr lang="en-US" sz="3600" dirty="0">
                 <a:solidFill>
-                  <a:srgbClr val="000000"/>
+                  <a:srgbClr val="808080"/>
                 </a:solidFill>
               </a:rPr>
               <a:t>infection, contagion, becoming infected | being infected (e.g. with harmful ideas), being influenced (by)...</a:t>
@@ -3583,32 +3957,32 @@
       </p:sp>
       <p:sp>
         <p:nvSpPr>
-          <p:cNvPr id="4" name="Text 2"/>
-          <p:cNvSpPr/>
-          <p:nvPr/>
-        </p:nvSpPr>
-        <p:spPr>
-          <a:xfrm>
-            <a:off x="0" y="4572000"/>
-            <a:ext cx="7315200" cy="1828800"/>
-          </a:xfrm>
-          <a:prstGeom prst="rect">
-            <a:avLst/>
-          </a:prstGeom>
-          <a:noFill/>
-          <a:ln/>
-        </p:spPr>
-        <p:txBody>
-          <a:bodyPr wrap="square" rtlCol="0" anchor="ctr"/>
-          <a:lstStyle/>
-          <a:p>
-            <a:pPr algn="l" indent="0" marL="0">
+          <p:cNvPr id="5" name="Text 3"/>
+          <p:cNvSpPr/>
+          <p:nvPr/>
+        </p:nvSpPr>
+        <p:spPr>
+          <a:xfrm>
+            <a:off x="0" y="3657600"/>
+            <a:ext cx="8686800" cy="1828800"/>
+          </a:xfrm>
+          <a:prstGeom prst="rect">
+            <a:avLst/>
+          </a:prstGeom>
+          <a:noFill/>
+          <a:ln/>
+        </p:spPr>
+        <p:txBody>
+          <a:bodyPr wrap="square" rtlCol="0" anchor="ctr"/>
+          <a:lstStyle/>
+          <a:p>
+            <a:pPr algn="r" indent="0" marL="0">
               <a:buNone/>
             </a:pPr>
             <a:r>
               <a:rPr lang="en-US" sz="2400" dirty="0">
                 <a:solidFill>
-                  <a:srgbClr val="000000"/>
+                  <a:srgbClr val="808080"/>
                 </a:solidFill>
               </a:rPr>
               <a:t>69-70</a:t>
@@ -3650,6 +4024,42 @@
         </p:nvSpPr>
         <p:spPr>
           <a:xfrm>
+            <a:off x="0" y="548640"/>
+            <a:ext cx="9144000" cy="1828800"/>
+          </a:xfrm>
+          <a:prstGeom prst="rect">
+            <a:avLst/>
+          </a:prstGeom>
+          <a:noFill/>
+          <a:ln/>
+        </p:spPr>
+        <p:txBody>
+          <a:bodyPr wrap="square" rtlCol="0" anchor="ctr"/>
+          <a:lstStyle/>
+          <a:p>
+            <a:pPr algn="ctr" indent="0" marL="0">
+              <a:buNone/>
+            </a:pPr>
+            <a:r>
+              <a:rPr lang="en-US" sz="4800" dirty="0">
+                <a:solidFill>
+                  <a:srgbClr val="000000"/>
+                </a:solidFill>
+              </a:rPr>
+              <a:t>汚い</a:t>
+            </a:r>
+            <a:endParaRPr lang="en-US" sz="4800" dirty="0"/>
+          </a:p>
+        </p:txBody>
+      </p:sp>
+      <p:sp>
+        <p:nvSpPr>
+          <p:cNvPr id="3" name="Text 1"/>
+          <p:cNvSpPr/>
+          <p:nvPr/>
+        </p:nvSpPr>
+        <p:spPr>
+          <a:xfrm>
             <a:off x="0" y="914400"/>
             <a:ext cx="9144000" cy="1828800"/>
           </a:xfrm>
@@ -3666,35 +4076,33 @@
             <a:pPr algn="ctr" indent="0" marL="0">
               <a:buNone/>
             </a:pPr>
-            <a:r>
-              <a:rPr lang="en-US" sz="4800" dirty="0">
-                <a:solidFill>
-                  <a:srgbClr val="000000"/>
-                </a:solidFill>
-              </a:rPr>
-              <a:t>汚い</a:t>
-            </a:r>
-            <a:endParaRPr lang="en-US" sz="4800" dirty="0"/>
-          </a:p>
-          <a:p>
-            <a:pPr algn="ctr" indent="0" marL="0">
-              <a:buNone/>
-            </a:pPr>
-            <a:r>
-              <a:rPr lang="en-US" sz="4800" dirty="0">
-                <a:solidFill>
-                  <a:srgbClr val="000000"/>
+            <a:endParaRPr lang="en-US" sz="3600" dirty="0"/>
+          </a:p>
+          <a:p>
+            <a:pPr algn="ctr" indent="0" marL="0">
+              <a:buNone/>
+            </a:pPr>
+            <a:endParaRPr lang="en-US" sz="3600" dirty="0"/>
+          </a:p>
+          <a:p>
+            <a:pPr algn="ctr" indent="0" marL="0">
+              <a:buNone/>
+            </a:pPr>
+            <a:r>
+              <a:rPr lang="en-US" sz="3600" dirty="0">
+                <a:solidFill>
+                  <a:srgbClr val="404040"/>
                 </a:solidFill>
               </a:rPr>
               <a:t>きたない</a:t>
             </a:r>
-            <a:endParaRPr lang="en-US" sz="4800" dirty="0"/>
-          </a:p>
-        </p:txBody>
-      </p:sp>
-      <p:sp>
-        <p:nvSpPr>
-          <p:cNvPr id="3" name="Text 1"/>
+            <a:endParaRPr lang="en-US" sz="3600" dirty="0"/>
+          </a:p>
+        </p:txBody>
+      </p:sp>
+      <p:sp>
+        <p:nvSpPr>
+          <p:cNvPr id="4" name="Text 2"/>
           <p:cNvSpPr/>
           <p:nvPr/>
         </p:nvSpPr>
@@ -3719,7 +4127,7 @@
             <a:r>
               <a:rPr lang="en-US" sz="3600" dirty="0">
                 <a:solidFill>
-                  <a:srgbClr val="000000"/>
+                  <a:srgbClr val="808080"/>
                 </a:solidFill>
               </a:rPr>
               <a:t>dirty, filthy, foul, unclean | disordered, messy, untidy, poor (e.g. handwriting) | indecent (language, etc.), dirty, vul...</a:t>
@@ -3730,32 +4138,32 @@
       </p:sp>
       <p:sp>
         <p:nvSpPr>
-          <p:cNvPr id="4" name="Text 2"/>
-          <p:cNvSpPr/>
-          <p:nvPr/>
-        </p:nvSpPr>
-        <p:spPr>
-          <a:xfrm>
-            <a:off x="0" y="4572000"/>
-            <a:ext cx="7315200" cy="1828800"/>
-          </a:xfrm>
-          <a:prstGeom prst="rect">
-            <a:avLst/>
-          </a:prstGeom>
-          <a:noFill/>
-          <a:ln/>
-        </p:spPr>
-        <p:txBody>
-          <a:bodyPr wrap="square" rtlCol="0" anchor="ctr"/>
-          <a:lstStyle/>
-          <a:p>
-            <a:pPr algn="l" indent="0" marL="0">
+          <p:cNvPr id="5" name="Text 3"/>
+          <p:cNvSpPr/>
+          <p:nvPr/>
+        </p:nvSpPr>
+        <p:spPr>
+          <a:xfrm>
+            <a:off x="0" y="3657600"/>
+            <a:ext cx="8686800" cy="1828800"/>
+          </a:xfrm>
+          <a:prstGeom prst="rect">
+            <a:avLst/>
+          </a:prstGeom>
+          <a:noFill/>
+          <a:ln/>
+        </p:spPr>
+        <p:txBody>
+          <a:bodyPr wrap="square" rtlCol="0" anchor="ctr"/>
+          <a:lstStyle/>
+          <a:p>
+            <a:pPr algn="r" indent="0" marL="0">
               <a:buNone/>
             </a:pPr>
             <a:r>
               <a:rPr lang="en-US" sz="2400" dirty="0">
                 <a:solidFill>
-                  <a:srgbClr val="000000"/>
+                  <a:srgbClr val="808080"/>
                 </a:solidFill>
               </a:rPr>
               <a:t>69-70</a:t>
@@ -3797,6 +4205,42 @@
         </p:nvSpPr>
         <p:spPr>
           <a:xfrm>
+            <a:off x="0" y="548640"/>
+            <a:ext cx="9144000" cy="1828800"/>
+          </a:xfrm>
+          <a:prstGeom prst="rect">
+            <a:avLst/>
+          </a:prstGeom>
+          <a:noFill/>
+          <a:ln/>
+        </p:spPr>
+        <p:txBody>
+          <a:bodyPr wrap="square" rtlCol="0" anchor="ctr"/>
+          <a:lstStyle/>
+          <a:p>
+            <a:pPr algn="ctr" indent="0" marL="0">
+              <a:buNone/>
+            </a:pPr>
+            <a:r>
+              <a:rPr lang="en-US" sz="4800" dirty="0">
+                <a:solidFill>
+                  <a:srgbClr val="000000"/>
+                </a:solidFill>
+              </a:rPr>
+              <a:t>汚す</a:t>
+            </a:r>
+            <a:endParaRPr lang="en-US" sz="4800" dirty="0"/>
+          </a:p>
+        </p:txBody>
+      </p:sp>
+      <p:sp>
+        <p:nvSpPr>
+          <p:cNvPr id="3" name="Text 1"/>
+          <p:cNvSpPr/>
+          <p:nvPr/>
+        </p:nvSpPr>
+        <p:spPr>
+          <a:xfrm>
             <a:off x="0" y="914400"/>
             <a:ext cx="9144000" cy="1828800"/>
           </a:xfrm>
@@ -3813,35 +4257,33 @@
             <a:pPr algn="ctr" indent="0" marL="0">
               <a:buNone/>
             </a:pPr>
-            <a:r>
-              <a:rPr lang="en-US" sz="4800" dirty="0">
-                <a:solidFill>
-                  <a:srgbClr val="000000"/>
-                </a:solidFill>
-              </a:rPr>
-              <a:t>汚す</a:t>
-            </a:r>
-            <a:endParaRPr lang="en-US" sz="4800" dirty="0"/>
-          </a:p>
-          <a:p>
-            <a:pPr algn="ctr" indent="0" marL="0">
-              <a:buNone/>
-            </a:pPr>
-            <a:r>
-              <a:rPr lang="en-US" sz="4800" dirty="0">
-                <a:solidFill>
-                  <a:srgbClr val="000000"/>
+            <a:endParaRPr lang="en-US" sz="3600" dirty="0"/>
+          </a:p>
+          <a:p>
+            <a:pPr algn="ctr" indent="0" marL="0">
+              <a:buNone/>
+            </a:pPr>
+            <a:endParaRPr lang="en-US" sz="3600" dirty="0"/>
+          </a:p>
+          <a:p>
+            <a:pPr algn="ctr" indent="0" marL="0">
+              <a:buNone/>
+            </a:pPr>
+            <a:r>
+              <a:rPr lang="en-US" sz="3600" dirty="0">
+                <a:solidFill>
+                  <a:srgbClr val="404040"/>
                 </a:solidFill>
               </a:rPr>
               <a:t>よごす</a:t>
             </a:r>
-            <a:endParaRPr lang="en-US" sz="4800" dirty="0"/>
-          </a:p>
-        </p:txBody>
-      </p:sp>
-      <p:sp>
-        <p:nvSpPr>
-          <p:cNvPr id="3" name="Text 1"/>
+            <a:endParaRPr lang="en-US" sz="3600" dirty="0"/>
+          </a:p>
+        </p:txBody>
+      </p:sp>
+      <p:sp>
+        <p:nvSpPr>
+          <p:cNvPr id="4" name="Text 2"/>
           <p:cNvSpPr/>
           <p:nvPr/>
         </p:nvSpPr>
@@ -3866,7 +4308,7 @@
             <a:r>
               <a:rPr lang="en-US" sz="3600" dirty="0">
                 <a:solidFill>
-                  <a:srgbClr val="000000"/>
+                  <a:srgbClr val="808080"/>
                 </a:solidFill>
               </a:rPr>
               <a:t>to pollute, to contaminate, to soil, to make dirty, to stain | to disgrace, to dishonour, to dishonor, to defile...</a:t>
@@ -3877,32 +4319,32 @@
       </p:sp>
       <p:sp>
         <p:nvSpPr>
-          <p:cNvPr id="4" name="Text 2"/>
-          <p:cNvSpPr/>
-          <p:nvPr/>
-        </p:nvSpPr>
-        <p:spPr>
-          <a:xfrm>
-            <a:off x="0" y="4572000"/>
-            <a:ext cx="7315200" cy="1828800"/>
-          </a:xfrm>
-          <a:prstGeom prst="rect">
-            <a:avLst/>
-          </a:prstGeom>
-          <a:noFill/>
-          <a:ln/>
-        </p:spPr>
-        <p:txBody>
-          <a:bodyPr wrap="square" rtlCol="0" anchor="ctr"/>
-          <a:lstStyle/>
-          <a:p>
-            <a:pPr algn="l" indent="0" marL="0">
+          <p:cNvPr id="5" name="Text 3"/>
+          <p:cNvSpPr/>
+          <p:nvPr/>
+        </p:nvSpPr>
+        <p:spPr>
+          <a:xfrm>
+            <a:off x="0" y="3657600"/>
+            <a:ext cx="8686800" cy="1828800"/>
+          </a:xfrm>
+          <a:prstGeom prst="rect">
+            <a:avLst/>
+          </a:prstGeom>
+          <a:noFill/>
+          <a:ln/>
+        </p:spPr>
+        <p:txBody>
+          <a:bodyPr wrap="square" rtlCol="0" anchor="ctr"/>
+          <a:lstStyle/>
+          <a:p>
+            <a:pPr algn="r" indent="0" marL="0">
               <a:buNone/>
             </a:pPr>
             <a:r>
               <a:rPr lang="en-US" sz="2400" dirty="0">
                 <a:solidFill>
-                  <a:srgbClr val="000000"/>
+                  <a:srgbClr val="808080"/>
                 </a:solidFill>
               </a:rPr>
               <a:t>69-70</a:t>
@@ -3944,6 +4386,42 @@
         </p:nvSpPr>
         <p:spPr>
           <a:xfrm>
+            <a:off x="0" y="548640"/>
+            <a:ext cx="9144000" cy="1828800"/>
+          </a:xfrm>
+          <a:prstGeom prst="rect">
+            <a:avLst/>
+          </a:prstGeom>
+          <a:noFill/>
+          <a:ln/>
+        </p:spPr>
+        <p:txBody>
+          <a:bodyPr wrap="square" rtlCol="0" anchor="ctr"/>
+          <a:lstStyle/>
+          <a:p>
+            <a:pPr algn="ctr" indent="0" marL="0">
+              <a:buNone/>
+            </a:pPr>
+            <a:r>
+              <a:rPr lang="en-US" sz="4800" dirty="0">
+                <a:solidFill>
+                  <a:srgbClr val="000000"/>
+                </a:solidFill>
+              </a:rPr>
+              <a:t>汚染</a:t>
+            </a:r>
+            <a:endParaRPr lang="en-US" sz="4800" dirty="0"/>
+          </a:p>
+        </p:txBody>
+      </p:sp>
+      <p:sp>
+        <p:nvSpPr>
+          <p:cNvPr id="3" name="Text 1"/>
+          <p:cNvSpPr/>
+          <p:nvPr/>
+        </p:nvSpPr>
+        <p:spPr>
+          <a:xfrm>
             <a:off x="0" y="914400"/>
             <a:ext cx="9144000" cy="1828800"/>
           </a:xfrm>
@@ -3960,35 +4438,33 @@
             <a:pPr algn="ctr" indent="0" marL="0">
               <a:buNone/>
             </a:pPr>
-            <a:r>
-              <a:rPr lang="en-US" sz="4800" dirty="0">
-                <a:solidFill>
-                  <a:srgbClr val="000000"/>
-                </a:solidFill>
-              </a:rPr>
-              <a:t>汚染</a:t>
-            </a:r>
-            <a:endParaRPr lang="en-US" sz="4800" dirty="0"/>
-          </a:p>
-          <a:p>
-            <a:pPr algn="ctr" indent="0" marL="0">
-              <a:buNone/>
-            </a:pPr>
-            <a:r>
-              <a:rPr lang="en-US" sz="4800" dirty="0">
-                <a:solidFill>
-                  <a:srgbClr val="000000"/>
+            <a:endParaRPr lang="en-US" sz="3600" dirty="0"/>
+          </a:p>
+          <a:p>
+            <a:pPr algn="ctr" indent="0" marL="0">
+              <a:buNone/>
+            </a:pPr>
+            <a:endParaRPr lang="en-US" sz="3600" dirty="0"/>
+          </a:p>
+          <a:p>
+            <a:pPr algn="ctr" indent="0" marL="0">
+              <a:buNone/>
+            </a:pPr>
+            <a:r>
+              <a:rPr lang="en-US" sz="3600" dirty="0">
+                <a:solidFill>
+                  <a:srgbClr val="404040"/>
                 </a:solidFill>
               </a:rPr>
               <a:t>おせん</a:t>
             </a:r>
-            <a:endParaRPr lang="en-US" sz="4800" dirty="0"/>
-          </a:p>
-        </p:txBody>
-      </p:sp>
-      <p:sp>
-        <p:nvSpPr>
-          <p:cNvPr id="3" name="Text 1"/>
+            <a:endParaRPr lang="en-US" sz="3600" dirty="0"/>
+          </a:p>
+        </p:txBody>
+      </p:sp>
+      <p:sp>
+        <p:nvSpPr>
+          <p:cNvPr id="4" name="Text 2"/>
           <p:cNvSpPr/>
           <p:nvPr/>
         </p:nvSpPr>
@@ -4013,7 +4489,7 @@
             <a:r>
               <a:rPr lang="en-US" sz="3600" dirty="0">
                 <a:solidFill>
-                  <a:srgbClr val="000000"/>
+                  <a:srgbClr val="808080"/>
                 </a:solidFill>
               </a:rPr>
               <a:t>pollution, contamination...</a:t>
@@ -4024,32 +4500,32 @@
       </p:sp>
       <p:sp>
         <p:nvSpPr>
-          <p:cNvPr id="4" name="Text 2"/>
-          <p:cNvSpPr/>
-          <p:nvPr/>
-        </p:nvSpPr>
-        <p:spPr>
-          <a:xfrm>
-            <a:off x="0" y="4572000"/>
-            <a:ext cx="7315200" cy="1828800"/>
-          </a:xfrm>
-          <a:prstGeom prst="rect">
-            <a:avLst/>
-          </a:prstGeom>
-          <a:noFill/>
-          <a:ln/>
-        </p:spPr>
-        <p:txBody>
-          <a:bodyPr wrap="square" rtlCol="0" anchor="ctr"/>
-          <a:lstStyle/>
-          <a:p>
-            <a:pPr algn="l" indent="0" marL="0">
+          <p:cNvPr id="5" name="Text 3"/>
+          <p:cNvSpPr/>
+          <p:nvPr/>
+        </p:nvSpPr>
+        <p:spPr>
+          <a:xfrm>
+            <a:off x="0" y="3657600"/>
+            <a:ext cx="8686800" cy="1828800"/>
+          </a:xfrm>
+          <a:prstGeom prst="rect">
+            <a:avLst/>
+          </a:prstGeom>
+          <a:noFill/>
+          <a:ln/>
+        </p:spPr>
+        <p:txBody>
+          <a:bodyPr wrap="square" rtlCol="0" anchor="ctr"/>
+          <a:lstStyle/>
+          <a:p>
+            <a:pPr algn="r" indent="0" marL="0">
               <a:buNone/>
             </a:pPr>
             <a:r>
               <a:rPr lang="en-US" sz="2400" dirty="0">
                 <a:solidFill>
-                  <a:srgbClr val="000000"/>
+                  <a:srgbClr val="808080"/>
                 </a:solidFill>
               </a:rPr>
               <a:t>69-70</a:t>

--- a/10|2-6/2023-10-6/kanji-reading.pptx
+++ b/10|2-6/2023-10-6/kanji-reading.pptx
@@ -14,14 +14,9 @@
     <p:sldId id="262" r:id="rId8"/>
     <p:sldId id="263" r:id="rId9"/>
     <p:sldId id="264" r:id="rId10"/>
-    <p:sldId id="265" r:id="rId11"/>
-    <p:sldId id="266" r:id="rId12"/>
-    <p:sldId id="267" r:id="rId13"/>
-    <p:sldId id="268" r:id="rId14"/>
-    <p:sldId id="269" r:id="rId15"/>
   </p:sldIdLst>
   <p:notesMasterIdLst>
-    <p:notesMasterId r:id="rId16"/>
+    <p:notesMasterId r:id="rId11"/>
   </p:notesMasterIdLst>
   <p:sldSz cx="9144000" cy="5143500"/>
   <p:notesSz cx="5143500" cy="9144000"/>
@@ -539,446 +534,6 @@
             <a:fld id="{F7021451-1387-4CA6-816F-3879F97B5CBC}" type="slidenum">
               <a:rPr lang="en-US"/>
               <a:t>1</a:t>
-            </a:fld>
-            <a:endParaRPr lang="en-US"/>
-          </a:p>
-        </p:txBody>
-      </p:sp>
-    </p:spTree>
-    <p:extLst>
-      <p:ext uri="{BB962C8B-B14F-4D97-AF65-F5344CB8AC3E}">
-        <p14:creationId xmlns:p14="http://schemas.microsoft.com/office/powerpoint/2010/main" val="1024086991"/>
-      </p:ext>
-    </p:extLst>
-  </p:cSld>
-  <p:clrMapOvr>
-    <a:masterClrMapping/>
-  </p:clrMapOvr>
-</p:notes>
-</file>
-
-<file path=ppt/notesSlides/notesSlide10.xml><?xml version="1.0" encoding="utf-8"?>
-<p:notes xmlns:a="http://schemas.openxmlformats.org/drawingml/2006/main" xmlns:r="http://schemas.openxmlformats.org/officeDocument/2006/relationships" xmlns:p="http://schemas.openxmlformats.org/presentationml/2006/main">
-  <p:cSld>
-    <p:spTree>
-      <p:nvGrpSpPr>
-        <p:cNvPr id="1" name=""/>
-        <p:cNvGrpSpPr/>
-        <p:nvPr/>
-      </p:nvGrpSpPr>
-      <p:grpSpPr>
-        <a:xfrm>
-          <a:off x="0" y="0"/>
-          <a:ext cx="0" cy="0"/>
-          <a:chOff x="0" y="0"/>
-          <a:chExt cx="0" cy="0"/>
-        </a:xfrm>
-      </p:grpSpPr>
-      <p:sp>
-        <p:nvSpPr>
-          <p:cNvPr id="2" name="Slide Image Placeholder 1"/>
-          <p:cNvSpPr>
-            <a:spLocks noGrp="1" noRot="1" noChangeAspect="1"/>
-          </p:cNvSpPr>
-          <p:nvPr>
-            <p:ph type="sldImg"/>
-          </p:nvPr>
-        </p:nvSpPr>
-        <p:spPr/>
-      </p:sp>
-      <p:sp>
-        <p:nvSpPr>
-          <p:cNvPr id="3" name="Notes Placeholder 2"/>
-          <p:cNvSpPr>
-            <a:spLocks noGrp="1"/>
-          </p:cNvSpPr>
-          <p:nvPr>
-            <p:ph type="body" idx="1"/>
-          </p:nvPr>
-        </p:nvSpPr>
-        <p:spPr/>
-        <p:txBody>
-          <a:bodyPr/>
-          <a:lstStyle/>
-          <a:p>
-            <a:r>
-              <a:rPr lang="en-US" dirty="0"/>
-              <a:t/>
-            </a:r>
-            <a:endParaRPr lang="en-US" dirty="0"/>
-          </a:p>
-        </p:txBody>
-      </p:sp>
-      <p:sp>
-        <p:nvSpPr>
-          <p:cNvPr id="4" name="Slide Number Placeholder 3"/>
-          <p:cNvSpPr>
-            <a:spLocks noGrp="1"/>
-          </p:cNvSpPr>
-          <p:nvPr>
-            <p:ph type="sldNum" sz="quarter" idx="10"/>
-          </p:nvPr>
-        </p:nvSpPr>
-        <p:spPr/>
-        <p:txBody>
-          <a:bodyPr/>
-          <a:lstStyle/>
-          <a:p>
-            <a:fld id="{F7021451-1387-4CA6-816F-3879F97B5CBC}" type="slidenum">
-              <a:rPr lang="en-US"/>
-              <a:t>10</a:t>
-            </a:fld>
-            <a:endParaRPr lang="en-US"/>
-          </a:p>
-        </p:txBody>
-      </p:sp>
-    </p:spTree>
-    <p:extLst>
-      <p:ext uri="{BB962C8B-B14F-4D97-AF65-F5344CB8AC3E}">
-        <p14:creationId xmlns:p14="http://schemas.microsoft.com/office/powerpoint/2010/main" val="1024086991"/>
-      </p:ext>
-    </p:extLst>
-  </p:cSld>
-  <p:clrMapOvr>
-    <a:masterClrMapping/>
-  </p:clrMapOvr>
-</p:notes>
-</file>
-
-<file path=ppt/notesSlides/notesSlide11.xml><?xml version="1.0" encoding="utf-8"?>
-<p:notes xmlns:a="http://schemas.openxmlformats.org/drawingml/2006/main" xmlns:r="http://schemas.openxmlformats.org/officeDocument/2006/relationships" xmlns:p="http://schemas.openxmlformats.org/presentationml/2006/main">
-  <p:cSld>
-    <p:spTree>
-      <p:nvGrpSpPr>
-        <p:cNvPr id="1" name=""/>
-        <p:cNvGrpSpPr/>
-        <p:nvPr/>
-      </p:nvGrpSpPr>
-      <p:grpSpPr>
-        <a:xfrm>
-          <a:off x="0" y="0"/>
-          <a:ext cx="0" cy="0"/>
-          <a:chOff x="0" y="0"/>
-          <a:chExt cx="0" cy="0"/>
-        </a:xfrm>
-      </p:grpSpPr>
-      <p:sp>
-        <p:nvSpPr>
-          <p:cNvPr id="2" name="Slide Image Placeholder 1"/>
-          <p:cNvSpPr>
-            <a:spLocks noGrp="1" noRot="1" noChangeAspect="1"/>
-          </p:cNvSpPr>
-          <p:nvPr>
-            <p:ph type="sldImg"/>
-          </p:nvPr>
-        </p:nvSpPr>
-        <p:spPr/>
-      </p:sp>
-      <p:sp>
-        <p:nvSpPr>
-          <p:cNvPr id="3" name="Notes Placeholder 2"/>
-          <p:cNvSpPr>
-            <a:spLocks noGrp="1"/>
-          </p:cNvSpPr>
-          <p:nvPr>
-            <p:ph type="body" idx="1"/>
-          </p:nvPr>
-        </p:nvSpPr>
-        <p:spPr/>
-        <p:txBody>
-          <a:bodyPr/>
-          <a:lstStyle/>
-          <a:p>
-            <a:r>
-              <a:rPr lang="en-US" dirty="0"/>
-              <a:t/>
-            </a:r>
-            <a:endParaRPr lang="en-US" dirty="0"/>
-          </a:p>
-        </p:txBody>
-      </p:sp>
-      <p:sp>
-        <p:nvSpPr>
-          <p:cNvPr id="4" name="Slide Number Placeholder 3"/>
-          <p:cNvSpPr>
-            <a:spLocks noGrp="1"/>
-          </p:cNvSpPr>
-          <p:nvPr>
-            <p:ph type="sldNum" sz="quarter" idx="10"/>
-          </p:nvPr>
-        </p:nvSpPr>
-        <p:spPr/>
-        <p:txBody>
-          <a:bodyPr/>
-          <a:lstStyle/>
-          <a:p>
-            <a:fld id="{F7021451-1387-4CA6-816F-3879F97B5CBC}" type="slidenum">
-              <a:rPr lang="en-US"/>
-              <a:t>11</a:t>
-            </a:fld>
-            <a:endParaRPr lang="en-US"/>
-          </a:p>
-        </p:txBody>
-      </p:sp>
-    </p:spTree>
-    <p:extLst>
-      <p:ext uri="{BB962C8B-B14F-4D97-AF65-F5344CB8AC3E}">
-        <p14:creationId xmlns:p14="http://schemas.microsoft.com/office/powerpoint/2010/main" val="1024086991"/>
-      </p:ext>
-    </p:extLst>
-  </p:cSld>
-  <p:clrMapOvr>
-    <a:masterClrMapping/>
-  </p:clrMapOvr>
-</p:notes>
-</file>
-
-<file path=ppt/notesSlides/notesSlide12.xml><?xml version="1.0" encoding="utf-8"?>
-<p:notes xmlns:a="http://schemas.openxmlformats.org/drawingml/2006/main" xmlns:r="http://schemas.openxmlformats.org/officeDocument/2006/relationships" xmlns:p="http://schemas.openxmlformats.org/presentationml/2006/main">
-  <p:cSld>
-    <p:spTree>
-      <p:nvGrpSpPr>
-        <p:cNvPr id="1" name=""/>
-        <p:cNvGrpSpPr/>
-        <p:nvPr/>
-      </p:nvGrpSpPr>
-      <p:grpSpPr>
-        <a:xfrm>
-          <a:off x="0" y="0"/>
-          <a:ext cx="0" cy="0"/>
-          <a:chOff x="0" y="0"/>
-          <a:chExt cx="0" cy="0"/>
-        </a:xfrm>
-      </p:grpSpPr>
-      <p:sp>
-        <p:nvSpPr>
-          <p:cNvPr id="2" name="Slide Image Placeholder 1"/>
-          <p:cNvSpPr>
-            <a:spLocks noGrp="1" noRot="1" noChangeAspect="1"/>
-          </p:cNvSpPr>
-          <p:nvPr>
-            <p:ph type="sldImg"/>
-          </p:nvPr>
-        </p:nvSpPr>
-        <p:spPr/>
-      </p:sp>
-      <p:sp>
-        <p:nvSpPr>
-          <p:cNvPr id="3" name="Notes Placeholder 2"/>
-          <p:cNvSpPr>
-            <a:spLocks noGrp="1"/>
-          </p:cNvSpPr>
-          <p:nvPr>
-            <p:ph type="body" idx="1"/>
-          </p:nvPr>
-        </p:nvSpPr>
-        <p:spPr/>
-        <p:txBody>
-          <a:bodyPr/>
-          <a:lstStyle/>
-          <a:p>
-            <a:r>
-              <a:rPr lang="en-US" dirty="0"/>
-              <a:t/>
-            </a:r>
-            <a:endParaRPr lang="en-US" dirty="0"/>
-          </a:p>
-        </p:txBody>
-      </p:sp>
-      <p:sp>
-        <p:nvSpPr>
-          <p:cNvPr id="4" name="Slide Number Placeholder 3"/>
-          <p:cNvSpPr>
-            <a:spLocks noGrp="1"/>
-          </p:cNvSpPr>
-          <p:nvPr>
-            <p:ph type="sldNum" sz="quarter" idx="10"/>
-          </p:nvPr>
-        </p:nvSpPr>
-        <p:spPr/>
-        <p:txBody>
-          <a:bodyPr/>
-          <a:lstStyle/>
-          <a:p>
-            <a:fld id="{F7021451-1387-4CA6-816F-3879F97B5CBC}" type="slidenum">
-              <a:rPr lang="en-US"/>
-              <a:t>12</a:t>
-            </a:fld>
-            <a:endParaRPr lang="en-US"/>
-          </a:p>
-        </p:txBody>
-      </p:sp>
-    </p:spTree>
-    <p:extLst>
-      <p:ext uri="{BB962C8B-B14F-4D97-AF65-F5344CB8AC3E}">
-        <p14:creationId xmlns:p14="http://schemas.microsoft.com/office/powerpoint/2010/main" val="1024086991"/>
-      </p:ext>
-    </p:extLst>
-  </p:cSld>
-  <p:clrMapOvr>
-    <a:masterClrMapping/>
-  </p:clrMapOvr>
-</p:notes>
-</file>
-
-<file path=ppt/notesSlides/notesSlide13.xml><?xml version="1.0" encoding="utf-8"?>
-<p:notes xmlns:a="http://schemas.openxmlformats.org/drawingml/2006/main" xmlns:r="http://schemas.openxmlformats.org/officeDocument/2006/relationships" xmlns:p="http://schemas.openxmlformats.org/presentationml/2006/main">
-  <p:cSld>
-    <p:spTree>
-      <p:nvGrpSpPr>
-        <p:cNvPr id="1" name=""/>
-        <p:cNvGrpSpPr/>
-        <p:nvPr/>
-      </p:nvGrpSpPr>
-      <p:grpSpPr>
-        <a:xfrm>
-          <a:off x="0" y="0"/>
-          <a:ext cx="0" cy="0"/>
-          <a:chOff x="0" y="0"/>
-          <a:chExt cx="0" cy="0"/>
-        </a:xfrm>
-      </p:grpSpPr>
-      <p:sp>
-        <p:nvSpPr>
-          <p:cNvPr id="2" name="Slide Image Placeholder 1"/>
-          <p:cNvSpPr>
-            <a:spLocks noGrp="1" noRot="1" noChangeAspect="1"/>
-          </p:cNvSpPr>
-          <p:nvPr>
-            <p:ph type="sldImg"/>
-          </p:nvPr>
-        </p:nvSpPr>
-        <p:spPr/>
-      </p:sp>
-      <p:sp>
-        <p:nvSpPr>
-          <p:cNvPr id="3" name="Notes Placeholder 2"/>
-          <p:cNvSpPr>
-            <a:spLocks noGrp="1"/>
-          </p:cNvSpPr>
-          <p:nvPr>
-            <p:ph type="body" idx="1"/>
-          </p:nvPr>
-        </p:nvSpPr>
-        <p:spPr/>
-        <p:txBody>
-          <a:bodyPr/>
-          <a:lstStyle/>
-          <a:p>
-            <a:r>
-              <a:rPr lang="en-US" dirty="0"/>
-              <a:t/>
-            </a:r>
-            <a:endParaRPr lang="en-US" dirty="0"/>
-          </a:p>
-        </p:txBody>
-      </p:sp>
-      <p:sp>
-        <p:nvSpPr>
-          <p:cNvPr id="4" name="Slide Number Placeholder 3"/>
-          <p:cNvSpPr>
-            <a:spLocks noGrp="1"/>
-          </p:cNvSpPr>
-          <p:nvPr>
-            <p:ph type="sldNum" sz="quarter" idx="10"/>
-          </p:nvPr>
-        </p:nvSpPr>
-        <p:spPr/>
-        <p:txBody>
-          <a:bodyPr/>
-          <a:lstStyle/>
-          <a:p>
-            <a:fld id="{F7021451-1387-4CA6-816F-3879F97B5CBC}" type="slidenum">
-              <a:rPr lang="en-US"/>
-              <a:t>13</a:t>
-            </a:fld>
-            <a:endParaRPr lang="en-US"/>
-          </a:p>
-        </p:txBody>
-      </p:sp>
-    </p:spTree>
-    <p:extLst>
-      <p:ext uri="{BB962C8B-B14F-4D97-AF65-F5344CB8AC3E}">
-        <p14:creationId xmlns:p14="http://schemas.microsoft.com/office/powerpoint/2010/main" val="1024086991"/>
-      </p:ext>
-    </p:extLst>
-  </p:cSld>
-  <p:clrMapOvr>
-    <a:masterClrMapping/>
-  </p:clrMapOvr>
-</p:notes>
-</file>
-
-<file path=ppt/notesSlides/notesSlide14.xml><?xml version="1.0" encoding="utf-8"?>
-<p:notes xmlns:a="http://schemas.openxmlformats.org/drawingml/2006/main" xmlns:r="http://schemas.openxmlformats.org/officeDocument/2006/relationships" xmlns:p="http://schemas.openxmlformats.org/presentationml/2006/main">
-  <p:cSld>
-    <p:spTree>
-      <p:nvGrpSpPr>
-        <p:cNvPr id="1" name=""/>
-        <p:cNvGrpSpPr/>
-        <p:nvPr/>
-      </p:nvGrpSpPr>
-      <p:grpSpPr>
-        <a:xfrm>
-          <a:off x="0" y="0"/>
-          <a:ext cx="0" cy="0"/>
-          <a:chOff x="0" y="0"/>
-          <a:chExt cx="0" cy="0"/>
-        </a:xfrm>
-      </p:grpSpPr>
-      <p:sp>
-        <p:nvSpPr>
-          <p:cNvPr id="2" name="Slide Image Placeholder 1"/>
-          <p:cNvSpPr>
-            <a:spLocks noGrp="1" noRot="1" noChangeAspect="1"/>
-          </p:cNvSpPr>
-          <p:nvPr>
-            <p:ph type="sldImg"/>
-          </p:nvPr>
-        </p:nvSpPr>
-        <p:spPr/>
-      </p:sp>
-      <p:sp>
-        <p:nvSpPr>
-          <p:cNvPr id="3" name="Notes Placeholder 2"/>
-          <p:cNvSpPr>
-            <a:spLocks noGrp="1"/>
-          </p:cNvSpPr>
-          <p:nvPr>
-            <p:ph type="body" idx="1"/>
-          </p:nvPr>
-        </p:nvSpPr>
-        <p:spPr/>
-        <p:txBody>
-          <a:bodyPr/>
-          <a:lstStyle/>
-          <a:p>
-            <a:r>
-              <a:rPr lang="en-US" dirty="0"/>
-              <a:t/>
-            </a:r>
-            <a:endParaRPr lang="en-US" dirty="0"/>
-          </a:p>
-        </p:txBody>
-      </p:sp>
-      <p:sp>
-        <p:nvSpPr>
-          <p:cNvPr id="4" name="Slide Number Placeholder 3"/>
-          <p:cNvSpPr>
-            <a:spLocks noGrp="1"/>
-          </p:cNvSpPr>
-          <p:nvPr>
-            <p:ph type="sldNum" sz="quarter" idx="10"/>
-          </p:nvPr>
-        </p:nvSpPr>
-        <p:spPr/>
-        <p:txBody>
-          <a:bodyPr/>
-          <a:lstStyle/>
-          <a:p>
-            <a:fld id="{F7021451-1387-4CA6-816F-3879F97B5CBC}" type="slidenum">
-              <a:rPr lang="en-US"/>
-              <a:t>14</a:t>
             </a:fld>
             <a:endParaRPr lang="en-US"/>
           </a:p>
@@ -2055,7 +1610,7 @@
                   <a:srgbClr val="000000"/>
                 </a:solidFill>
               </a:rPr>
-              <a:t>境</a:t>
+              <a:t>殺す</a:t>
             </a:r>
             <a:endParaRPr lang="en-US" sz="4800" dirty="0"/>
           </a:p>
@@ -2103,7 +1658,7 @@
                   <a:srgbClr val="404040"/>
                 </a:solidFill>
               </a:rPr>
-              <a:t>さかい</a:t>
+              <a:t>ころす</a:t>
             </a:r>
             <a:endParaRPr lang="en-US" sz="3600" dirty="0"/>
           </a:p>
@@ -2139,7 +1694,7 @@
                   <a:srgbClr val="808080"/>
                 </a:solidFill>
               </a:rPr>
-              <a:t>border, boundary | turning point, watershed | area, region, spot, space, environment | psychological state, mental state ...</a:t>
+              <a:t>to kill, to slay, to murder, to slaughter | to suppress, to block, to hamper, to destroy (e.g. talent), to eliminate (e.g...</a:t>
             </a:r>
             <a:endParaRPr lang="en-US" sz="3600" dirty="0"/>
           </a:p>
@@ -2175,912 +1730,7 @@
                   <a:srgbClr val="808080"/>
                 </a:solidFill>
               </a:rPr>
-              <a:t>69-70</a:t>
-            </a:r>
-            <a:endParaRPr lang="en-US" sz="2400" dirty="0"/>
-          </a:p>
-        </p:txBody>
-      </p:sp>
-    </p:spTree>
-  </p:cSld>
-  <p:clrMapOvr>
-    <a:masterClrMapping/>
-  </p:clrMapOvr>
-</p:sld>
-</file>
-
-<file path=ppt/slides/slide10.xml><?xml version="1.0" encoding="utf-8"?>
-<p:sld xmlns:a="http://schemas.openxmlformats.org/drawingml/2006/main" xmlns:r="http://schemas.openxmlformats.org/officeDocument/2006/relationships" xmlns:p="http://schemas.openxmlformats.org/presentationml/2006/main">
-  <p:cSld name="Slide 10">
-    <p:spTree>
-      <p:nvGrpSpPr>
-        <p:cNvPr id="1" name=""/>
-        <p:cNvGrpSpPr/>
-        <p:nvPr/>
-      </p:nvGrpSpPr>
-      <p:grpSpPr>
-        <a:xfrm>
-          <a:off x="0" y="0"/>
-          <a:ext cx="0" cy="0"/>
-          <a:chOff x="0" y="0"/>
-          <a:chExt cx="0" cy="0"/>
-        </a:xfrm>
-      </p:grpSpPr>
-      <p:sp>
-        <p:nvSpPr>
-          <p:cNvPr id="2" name="Text 0"/>
-          <p:cNvSpPr/>
-          <p:nvPr/>
-        </p:nvSpPr>
-        <p:spPr>
-          <a:xfrm>
-            <a:off x="0" y="548640"/>
-            <a:ext cx="9144000" cy="1828800"/>
-          </a:xfrm>
-          <a:prstGeom prst="rect">
-            <a:avLst/>
-          </a:prstGeom>
-          <a:noFill/>
-          <a:ln/>
-        </p:spPr>
-        <p:txBody>
-          <a:bodyPr wrap="square" rtlCol="0" anchor="ctr"/>
-          <a:lstStyle/>
-          <a:p>
-            <a:pPr algn="ctr" indent="0" marL="0">
-              <a:buNone/>
-            </a:pPr>
-            <a:r>
-              <a:rPr lang="en-US" sz="4800" dirty="0">
-                <a:solidFill>
-                  <a:srgbClr val="000000"/>
-                </a:solidFill>
-              </a:rPr>
-              <a:t>回路</a:t>
-            </a:r>
-            <a:endParaRPr lang="en-US" sz="4800" dirty="0"/>
-          </a:p>
-        </p:txBody>
-      </p:sp>
-      <p:sp>
-        <p:nvSpPr>
-          <p:cNvPr id="3" name="Text 1"/>
-          <p:cNvSpPr/>
-          <p:nvPr/>
-        </p:nvSpPr>
-        <p:spPr>
-          <a:xfrm>
-            <a:off x="0" y="914400"/>
-            <a:ext cx="9144000" cy="1828800"/>
-          </a:xfrm>
-          <a:prstGeom prst="rect">
-            <a:avLst/>
-          </a:prstGeom>
-          <a:noFill/>
-          <a:ln/>
-        </p:spPr>
-        <p:txBody>
-          <a:bodyPr wrap="square" rtlCol="0" anchor="ctr"/>
-          <a:lstStyle/>
-          <a:p>
-            <a:pPr algn="ctr" indent="0" marL="0">
-              <a:buNone/>
-            </a:pPr>
-            <a:endParaRPr lang="en-US" sz="3600" dirty="0"/>
-          </a:p>
-          <a:p>
-            <a:pPr algn="ctr" indent="0" marL="0">
-              <a:buNone/>
-            </a:pPr>
-            <a:endParaRPr lang="en-US" sz="3600" dirty="0"/>
-          </a:p>
-          <a:p>
-            <a:pPr algn="ctr" indent="0" marL="0">
-              <a:buNone/>
-            </a:pPr>
-            <a:r>
-              <a:rPr lang="en-US" sz="3600" dirty="0">
-                <a:solidFill>
-                  <a:srgbClr val="404040"/>
-                </a:solidFill>
-              </a:rPr>
-              <a:t>かいろ</a:t>
-            </a:r>
-            <a:endParaRPr lang="en-US" sz="3600" dirty="0"/>
-          </a:p>
-        </p:txBody>
-      </p:sp>
-      <p:sp>
-        <p:nvSpPr>
-          <p:cNvPr id="4" name="Text 2"/>
-          <p:cNvSpPr/>
-          <p:nvPr/>
-        </p:nvSpPr>
-        <p:spPr>
-          <a:xfrm>
-            <a:off x="0" y="2743200"/>
-            <a:ext cx="9144000" cy="1828800"/>
-          </a:xfrm>
-          <a:prstGeom prst="rect">
-            <a:avLst/>
-          </a:prstGeom>
-          <a:noFill/>
-          <a:ln/>
-        </p:spPr>
-        <p:txBody>
-          <a:bodyPr wrap="square" rtlCol="0" anchor="ctr"/>
-          <a:lstStyle/>
-          <a:p>
-            <a:pPr algn="ctr" indent="0" marL="0">
-              <a:buNone/>
-            </a:pPr>
-            <a:r>
-              <a:rPr lang="en-US" sz="3600" dirty="0">
-                <a:solidFill>
-                  <a:srgbClr val="808080"/>
-                </a:solidFill>
-              </a:rPr>
-              <a:t>circuit (electric) | cycle (e.g. Krebs cycle)...</a:t>
-            </a:r>
-            <a:endParaRPr lang="en-US" sz="3600" dirty="0"/>
-          </a:p>
-        </p:txBody>
-      </p:sp>
-      <p:sp>
-        <p:nvSpPr>
-          <p:cNvPr id="5" name="Text 3"/>
-          <p:cNvSpPr/>
-          <p:nvPr/>
-        </p:nvSpPr>
-        <p:spPr>
-          <a:xfrm>
-            <a:off x="0" y="3657600"/>
-            <a:ext cx="8686800" cy="1828800"/>
-          </a:xfrm>
-          <a:prstGeom prst="rect">
-            <a:avLst/>
-          </a:prstGeom>
-          <a:noFill/>
-          <a:ln/>
-        </p:spPr>
-        <p:txBody>
-          <a:bodyPr wrap="square" rtlCol="0" anchor="ctr"/>
-          <a:lstStyle/>
-          <a:p>
-            <a:pPr algn="r" indent="0" marL="0">
-              <a:buNone/>
-            </a:pPr>
-            <a:r>
-              <a:rPr lang="en-US" sz="2400" dirty="0">
-                <a:solidFill>
-                  <a:srgbClr val="808080"/>
-                </a:solidFill>
-              </a:rPr>
-              <a:t>69-70</a:t>
-            </a:r>
-            <a:endParaRPr lang="en-US" sz="2400" dirty="0"/>
-          </a:p>
-        </p:txBody>
-      </p:sp>
-    </p:spTree>
-  </p:cSld>
-  <p:clrMapOvr>
-    <a:masterClrMapping/>
-  </p:clrMapOvr>
-</p:sld>
-</file>
-
-<file path=ppt/slides/slide11.xml><?xml version="1.0" encoding="utf-8"?>
-<p:sld xmlns:a="http://schemas.openxmlformats.org/drawingml/2006/main" xmlns:r="http://schemas.openxmlformats.org/officeDocument/2006/relationships" xmlns:p="http://schemas.openxmlformats.org/presentationml/2006/main">
-  <p:cSld name="Slide 11">
-    <p:spTree>
-      <p:nvGrpSpPr>
-        <p:cNvPr id="1" name=""/>
-        <p:cNvGrpSpPr/>
-        <p:nvPr/>
-      </p:nvGrpSpPr>
-      <p:grpSpPr>
-        <a:xfrm>
-          <a:off x="0" y="0"/>
-          <a:ext cx="0" cy="0"/>
-          <a:chOff x="0" y="0"/>
-          <a:chExt cx="0" cy="0"/>
-        </a:xfrm>
-      </p:grpSpPr>
-      <p:sp>
-        <p:nvSpPr>
-          <p:cNvPr id="2" name="Text 0"/>
-          <p:cNvSpPr/>
-          <p:nvPr/>
-        </p:nvSpPr>
-        <p:spPr>
-          <a:xfrm>
-            <a:off x="0" y="548640"/>
-            <a:ext cx="9144000" cy="1828800"/>
-          </a:xfrm>
-          <a:prstGeom prst="rect">
-            <a:avLst/>
-          </a:prstGeom>
-          <a:noFill/>
-          <a:ln/>
-        </p:spPr>
-        <p:txBody>
-          <a:bodyPr wrap="square" rtlCol="0" anchor="ctr"/>
-          <a:lstStyle/>
-          <a:p>
-            <a:pPr algn="ctr" indent="0" marL="0">
-              <a:buNone/>
-            </a:pPr>
-            <a:r>
-              <a:rPr lang="en-US" sz="4800" dirty="0">
-                <a:solidFill>
-                  <a:srgbClr val="000000"/>
-                </a:solidFill>
-              </a:rPr>
-              <a:t>換える</a:t>
-            </a:r>
-            <a:endParaRPr lang="en-US" sz="4800" dirty="0"/>
-          </a:p>
-        </p:txBody>
-      </p:sp>
-      <p:sp>
-        <p:nvSpPr>
-          <p:cNvPr id="3" name="Text 1"/>
-          <p:cNvSpPr/>
-          <p:nvPr/>
-        </p:nvSpPr>
-        <p:spPr>
-          <a:xfrm>
-            <a:off x="0" y="914400"/>
-            <a:ext cx="9144000" cy="1828800"/>
-          </a:xfrm>
-          <a:prstGeom prst="rect">
-            <a:avLst/>
-          </a:prstGeom>
-          <a:noFill/>
-          <a:ln/>
-        </p:spPr>
-        <p:txBody>
-          <a:bodyPr wrap="square" rtlCol="0" anchor="ctr"/>
-          <a:lstStyle/>
-          <a:p>
-            <a:pPr algn="ctr" indent="0" marL="0">
-              <a:buNone/>
-            </a:pPr>
-            <a:endParaRPr lang="en-US" sz="3600" dirty="0"/>
-          </a:p>
-          <a:p>
-            <a:pPr algn="ctr" indent="0" marL="0">
-              <a:buNone/>
-            </a:pPr>
-            <a:endParaRPr lang="en-US" sz="3600" dirty="0"/>
-          </a:p>
-          <a:p>
-            <a:pPr algn="ctr" indent="0" marL="0">
-              <a:buNone/>
-            </a:pPr>
-            <a:r>
-              <a:rPr lang="en-US" sz="3600" dirty="0">
-                <a:solidFill>
-                  <a:srgbClr val="404040"/>
-                </a:solidFill>
-              </a:rPr>
-              <a:t>かえる</a:t>
-            </a:r>
-            <a:endParaRPr lang="en-US" sz="3600" dirty="0"/>
-          </a:p>
-        </p:txBody>
-      </p:sp>
-      <p:sp>
-        <p:nvSpPr>
-          <p:cNvPr id="4" name="Text 2"/>
-          <p:cNvSpPr/>
-          <p:nvPr/>
-        </p:nvSpPr>
-        <p:spPr>
-          <a:xfrm>
-            <a:off x="0" y="2743200"/>
-            <a:ext cx="9144000" cy="1828800"/>
-          </a:xfrm>
-          <a:prstGeom prst="rect">
-            <a:avLst/>
-          </a:prstGeom>
-          <a:noFill/>
-          <a:ln/>
-        </p:spPr>
-        <p:txBody>
-          <a:bodyPr wrap="square" rtlCol="0" anchor="ctr"/>
-          <a:lstStyle/>
-          <a:p>
-            <a:pPr algn="ctr" indent="0" marL="0">
-              <a:buNone/>
-            </a:pPr>
-            <a:r>
-              <a:rPr lang="en-US" sz="3600" dirty="0">
-                <a:solidFill>
-                  <a:srgbClr val="808080"/>
-                </a:solidFill>
-              </a:rPr>
-              <a:t>to replace | to exchange, to interchange | to substitute...</a:t>
-            </a:r>
-            <a:endParaRPr lang="en-US" sz="3600" dirty="0"/>
-          </a:p>
-        </p:txBody>
-      </p:sp>
-      <p:sp>
-        <p:nvSpPr>
-          <p:cNvPr id="5" name="Text 3"/>
-          <p:cNvSpPr/>
-          <p:nvPr/>
-        </p:nvSpPr>
-        <p:spPr>
-          <a:xfrm>
-            <a:off x="0" y="3657600"/>
-            <a:ext cx="8686800" cy="1828800"/>
-          </a:xfrm>
-          <a:prstGeom prst="rect">
-            <a:avLst/>
-          </a:prstGeom>
-          <a:noFill/>
-          <a:ln/>
-        </p:spPr>
-        <p:txBody>
-          <a:bodyPr wrap="square" rtlCol="0" anchor="ctr"/>
-          <a:lstStyle/>
-          <a:p>
-            <a:pPr algn="r" indent="0" marL="0">
-              <a:buNone/>
-            </a:pPr>
-            <a:r>
-              <a:rPr lang="en-US" sz="2400" dirty="0">
-                <a:solidFill>
-                  <a:srgbClr val="808080"/>
-                </a:solidFill>
-              </a:rPr>
-              <a:t>69-70</a:t>
-            </a:r>
-            <a:endParaRPr lang="en-US" sz="2400" dirty="0"/>
-          </a:p>
-        </p:txBody>
-      </p:sp>
-    </p:spTree>
-  </p:cSld>
-  <p:clrMapOvr>
-    <a:masterClrMapping/>
-  </p:clrMapOvr>
-</p:sld>
-</file>
-
-<file path=ppt/slides/slide12.xml><?xml version="1.0" encoding="utf-8"?>
-<p:sld xmlns:a="http://schemas.openxmlformats.org/drawingml/2006/main" xmlns:r="http://schemas.openxmlformats.org/officeDocument/2006/relationships" xmlns:p="http://schemas.openxmlformats.org/presentationml/2006/main">
-  <p:cSld name="Slide 12">
-    <p:spTree>
-      <p:nvGrpSpPr>
-        <p:cNvPr id="1" name=""/>
-        <p:cNvGrpSpPr/>
-        <p:nvPr/>
-      </p:nvGrpSpPr>
-      <p:grpSpPr>
-        <a:xfrm>
-          <a:off x="0" y="0"/>
-          <a:ext cx="0" cy="0"/>
-          <a:chOff x="0" y="0"/>
-          <a:chExt cx="0" cy="0"/>
-        </a:xfrm>
-      </p:grpSpPr>
-      <p:sp>
-        <p:nvSpPr>
-          <p:cNvPr id="2" name="Text 0"/>
-          <p:cNvSpPr/>
-          <p:nvPr/>
-        </p:nvSpPr>
-        <p:spPr>
-          <a:xfrm>
-            <a:off x="0" y="548640"/>
-            <a:ext cx="9144000" cy="1828800"/>
-          </a:xfrm>
-          <a:prstGeom prst="rect">
-            <a:avLst/>
-          </a:prstGeom>
-          <a:noFill/>
-          <a:ln/>
-        </p:spPr>
-        <p:txBody>
-          <a:bodyPr wrap="square" rtlCol="0" anchor="ctr"/>
-          <a:lstStyle/>
-          <a:p>
-            <a:pPr algn="ctr" indent="0" marL="0">
-              <a:buNone/>
-            </a:pPr>
-            <a:r>
-              <a:rPr lang="en-US" sz="4800" dirty="0">
-                <a:solidFill>
-                  <a:srgbClr val="000000"/>
-                </a:solidFill>
-              </a:rPr>
-              <a:t>代替</a:t>
-            </a:r>
-            <a:endParaRPr lang="en-US" sz="4800" dirty="0"/>
-          </a:p>
-        </p:txBody>
-      </p:sp>
-      <p:sp>
-        <p:nvSpPr>
-          <p:cNvPr id="3" name="Text 1"/>
-          <p:cNvSpPr/>
-          <p:nvPr/>
-        </p:nvSpPr>
-        <p:spPr>
-          <a:xfrm>
-            <a:off x="0" y="914400"/>
-            <a:ext cx="9144000" cy="1828800"/>
-          </a:xfrm>
-          <a:prstGeom prst="rect">
-            <a:avLst/>
-          </a:prstGeom>
-          <a:noFill/>
-          <a:ln/>
-        </p:spPr>
-        <p:txBody>
-          <a:bodyPr wrap="square" rtlCol="0" anchor="ctr"/>
-          <a:lstStyle/>
-          <a:p>
-            <a:pPr algn="ctr" indent="0" marL="0">
-              <a:buNone/>
-            </a:pPr>
-            <a:endParaRPr lang="en-US" sz="3600" dirty="0"/>
-          </a:p>
-          <a:p>
-            <a:pPr algn="ctr" indent="0" marL="0">
-              <a:buNone/>
-            </a:pPr>
-            <a:endParaRPr lang="en-US" sz="3600" dirty="0"/>
-          </a:p>
-          <a:p>
-            <a:pPr algn="ctr" indent="0" marL="0">
-              <a:buNone/>
-            </a:pPr>
-            <a:r>
-              <a:rPr lang="en-US" sz="3600" dirty="0">
-                <a:solidFill>
-                  <a:srgbClr val="404040"/>
-                </a:solidFill>
-              </a:rPr>
-              <a:t>だいたい</a:t>
-            </a:r>
-            <a:endParaRPr lang="en-US" sz="3600" dirty="0"/>
-          </a:p>
-        </p:txBody>
-      </p:sp>
-      <p:sp>
-        <p:nvSpPr>
-          <p:cNvPr id="4" name="Text 2"/>
-          <p:cNvSpPr/>
-          <p:nvPr/>
-        </p:nvSpPr>
-        <p:spPr>
-          <a:xfrm>
-            <a:off x="0" y="2743200"/>
-            <a:ext cx="9144000" cy="1828800"/>
-          </a:xfrm>
-          <a:prstGeom prst="rect">
-            <a:avLst/>
-          </a:prstGeom>
-          <a:noFill/>
-          <a:ln/>
-        </p:spPr>
-        <p:txBody>
-          <a:bodyPr wrap="square" rtlCol="0" anchor="ctr"/>
-          <a:lstStyle/>
-          <a:p>
-            <a:pPr algn="ctr" indent="0" marL="0">
-              <a:buNone/>
-            </a:pPr>
-            <a:r>
-              <a:rPr lang="en-US" sz="3600" dirty="0">
-                <a:solidFill>
-                  <a:srgbClr val="808080"/>
-                </a:solidFill>
-              </a:rPr>
-              <a:t>substitution | alternative, substitute...</a:t>
-            </a:r>
-            <a:endParaRPr lang="en-US" sz="3600" dirty="0"/>
-          </a:p>
-        </p:txBody>
-      </p:sp>
-      <p:sp>
-        <p:nvSpPr>
-          <p:cNvPr id="5" name="Text 3"/>
-          <p:cNvSpPr/>
-          <p:nvPr/>
-        </p:nvSpPr>
-        <p:spPr>
-          <a:xfrm>
-            <a:off x="0" y="3657600"/>
-            <a:ext cx="8686800" cy="1828800"/>
-          </a:xfrm>
-          <a:prstGeom prst="rect">
-            <a:avLst/>
-          </a:prstGeom>
-          <a:noFill/>
-          <a:ln/>
-        </p:spPr>
-        <p:txBody>
-          <a:bodyPr wrap="square" rtlCol="0" anchor="ctr"/>
-          <a:lstStyle/>
-          <a:p>
-            <a:pPr algn="r" indent="0" marL="0">
-              <a:buNone/>
-            </a:pPr>
-            <a:r>
-              <a:rPr lang="en-US" sz="2400" dirty="0">
-                <a:solidFill>
-                  <a:srgbClr val="808080"/>
-                </a:solidFill>
-              </a:rPr>
-              <a:t>69-70</a:t>
-            </a:r>
-            <a:endParaRPr lang="en-US" sz="2400" dirty="0"/>
-          </a:p>
-        </p:txBody>
-      </p:sp>
-    </p:spTree>
-  </p:cSld>
-  <p:clrMapOvr>
-    <a:masterClrMapping/>
-  </p:clrMapOvr>
-</p:sld>
-</file>
-
-<file path=ppt/slides/slide13.xml><?xml version="1.0" encoding="utf-8"?>
-<p:sld xmlns:a="http://schemas.openxmlformats.org/drawingml/2006/main" xmlns:r="http://schemas.openxmlformats.org/officeDocument/2006/relationships" xmlns:p="http://schemas.openxmlformats.org/presentationml/2006/main">
-  <p:cSld name="Slide 13">
-    <p:spTree>
-      <p:nvGrpSpPr>
-        <p:cNvPr id="1" name=""/>
-        <p:cNvGrpSpPr/>
-        <p:nvPr/>
-      </p:nvGrpSpPr>
-      <p:grpSpPr>
-        <a:xfrm>
-          <a:off x="0" y="0"/>
-          <a:ext cx="0" cy="0"/>
-          <a:chOff x="0" y="0"/>
-          <a:chExt cx="0" cy="0"/>
-        </a:xfrm>
-      </p:grpSpPr>
-      <p:sp>
-        <p:nvSpPr>
-          <p:cNvPr id="2" name="Text 0"/>
-          <p:cNvSpPr/>
-          <p:nvPr/>
-        </p:nvSpPr>
-        <p:spPr>
-          <a:xfrm>
-            <a:off x="0" y="548640"/>
-            <a:ext cx="9144000" cy="1828800"/>
-          </a:xfrm>
-          <a:prstGeom prst="rect">
-            <a:avLst/>
-          </a:prstGeom>
-          <a:noFill/>
-          <a:ln/>
-        </p:spPr>
-        <p:txBody>
-          <a:bodyPr wrap="square" rtlCol="0" anchor="ctr"/>
-          <a:lstStyle/>
-          <a:p>
-            <a:pPr algn="ctr" indent="0" marL="0">
-              <a:buNone/>
-            </a:pPr>
-            <a:r>
-              <a:rPr lang="en-US" sz="4800" dirty="0">
-                <a:solidFill>
-                  <a:srgbClr val="000000"/>
-                </a:solidFill>
-              </a:rPr>
-              <a:t>携わる</a:t>
-            </a:r>
-            <a:endParaRPr lang="en-US" sz="4800" dirty="0"/>
-          </a:p>
-        </p:txBody>
-      </p:sp>
-      <p:sp>
-        <p:nvSpPr>
-          <p:cNvPr id="3" name="Text 1"/>
-          <p:cNvSpPr/>
-          <p:nvPr/>
-        </p:nvSpPr>
-        <p:spPr>
-          <a:xfrm>
-            <a:off x="0" y="914400"/>
-            <a:ext cx="9144000" cy="1828800"/>
-          </a:xfrm>
-          <a:prstGeom prst="rect">
-            <a:avLst/>
-          </a:prstGeom>
-          <a:noFill/>
-          <a:ln/>
-        </p:spPr>
-        <p:txBody>
-          <a:bodyPr wrap="square" rtlCol="0" anchor="ctr"/>
-          <a:lstStyle/>
-          <a:p>
-            <a:pPr algn="ctr" indent="0" marL="0">
-              <a:buNone/>
-            </a:pPr>
-            <a:endParaRPr lang="en-US" sz="3600" dirty="0"/>
-          </a:p>
-          <a:p>
-            <a:pPr algn="ctr" indent="0" marL="0">
-              <a:buNone/>
-            </a:pPr>
-            <a:endParaRPr lang="en-US" sz="3600" dirty="0"/>
-          </a:p>
-          <a:p>
-            <a:pPr algn="ctr" indent="0" marL="0">
-              <a:buNone/>
-            </a:pPr>
-            <a:r>
-              <a:rPr lang="en-US" sz="3600" dirty="0">
-                <a:solidFill>
-                  <a:srgbClr val="404040"/>
-                </a:solidFill>
-              </a:rPr>
-              <a:t>たずさわる</a:t>
-            </a:r>
-            <a:endParaRPr lang="en-US" sz="3600" dirty="0"/>
-          </a:p>
-        </p:txBody>
-      </p:sp>
-      <p:sp>
-        <p:nvSpPr>
-          <p:cNvPr id="4" name="Text 2"/>
-          <p:cNvSpPr/>
-          <p:nvPr/>
-        </p:nvSpPr>
-        <p:spPr>
-          <a:xfrm>
-            <a:off x="0" y="2743200"/>
-            <a:ext cx="9144000" cy="1828800"/>
-          </a:xfrm>
-          <a:prstGeom prst="rect">
-            <a:avLst/>
-          </a:prstGeom>
-          <a:noFill/>
-          <a:ln/>
-        </p:spPr>
-        <p:txBody>
-          <a:bodyPr wrap="square" rtlCol="0" anchor="ctr"/>
-          <a:lstStyle/>
-          <a:p>
-            <a:pPr algn="ctr" indent="0" marL="0">
-              <a:buNone/>
-            </a:pPr>
-            <a:r>
-              <a:rPr lang="en-US" sz="3600" dirty="0">
-                <a:solidFill>
-                  <a:srgbClr val="808080"/>
-                </a:solidFill>
-              </a:rPr>
-              <a:t>to engage in, to participate in, to take part in, to be involved in...</a:t>
-            </a:r>
-            <a:endParaRPr lang="en-US" sz="3600" dirty="0"/>
-          </a:p>
-        </p:txBody>
-      </p:sp>
-      <p:sp>
-        <p:nvSpPr>
-          <p:cNvPr id="5" name="Text 3"/>
-          <p:cNvSpPr/>
-          <p:nvPr/>
-        </p:nvSpPr>
-        <p:spPr>
-          <a:xfrm>
-            <a:off x="0" y="3657600"/>
-            <a:ext cx="8686800" cy="1828800"/>
-          </a:xfrm>
-          <a:prstGeom prst="rect">
-            <a:avLst/>
-          </a:prstGeom>
-          <a:noFill/>
-          <a:ln/>
-        </p:spPr>
-        <p:txBody>
-          <a:bodyPr wrap="square" rtlCol="0" anchor="ctr"/>
-          <a:lstStyle/>
-          <a:p>
-            <a:pPr algn="r" indent="0" marL="0">
-              <a:buNone/>
-            </a:pPr>
-            <a:r>
-              <a:rPr lang="en-US" sz="2400" dirty="0">
-                <a:solidFill>
-                  <a:srgbClr val="808080"/>
-                </a:solidFill>
-              </a:rPr>
-              <a:t>69-70</a:t>
-            </a:r>
-            <a:endParaRPr lang="en-US" sz="2400" dirty="0"/>
-          </a:p>
-        </p:txBody>
-      </p:sp>
-    </p:spTree>
-  </p:cSld>
-  <p:clrMapOvr>
-    <a:masterClrMapping/>
-  </p:clrMapOvr>
-</p:sld>
-</file>
-
-<file path=ppt/slides/slide14.xml><?xml version="1.0" encoding="utf-8"?>
-<p:sld xmlns:a="http://schemas.openxmlformats.org/drawingml/2006/main" xmlns:r="http://schemas.openxmlformats.org/officeDocument/2006/relationships" xmlns:p="http://schemas.openxmlformats.org/presentationml/2006/main">
-  <p:cSld name="Slide 14">
-    <p:spTree>
-      <p:nvGrpSpPr>
-        <p:cNvPr id="1" name=""/>
-        <p:cNvGrpSpPr/>
-        <p:nvPr/>
-      </p:nvGrpSpPr>
-      <p:grpSpPr>
-        <a:xfrm>
-          <a:off x="0" y="0"/>
-          <a:ext cx="0" cy="0"/>
-          <a:chOff x="0" y="0"/>
-          <a:chExt cx="0" cy="0"/>
-        </a:xfrm>
-      </p:grpSpPr>
-      <p:sp>
-        <p:nvSpPr>
-          <p:cNvPr id="2" name="Text 0"/>
-          <p:cNvSpPr/>
-          <p:nvPr/>
-        </p:nvSpPr>
-        <p:spPr>
-          <a:xfrm>
-            <a:off x="0" y="548640"/>
-            <a:ext cx="9144000" cy="1828800"/>
-          </a:xfrm>
-          <a:prstGeom prst="rect">
-            <a:avLst/>
-          </a:prstGeom>
-          <a:noFill/>
-          <a:ln/>
-        </p:spPr>
-        <p:txBody>
-          <a:bodyPr wrap="square" rtlCol="0" anchor="ctr"/>
-          <a:lstStyle/>
-          <a:p>
-            <a:pPr algn="ctr" indent="0" marL="0">
-              <a:buNone/>
-            </a:pPr>
-            <a:r>
-              <a:rPr lang="en-US" sz="4800" dirty="0">
-                <a:solidFill>
-                  <a:srgbClr val="000000"/>
-                </a:solidFill>
-              </a:rPr>
-              <a:t>連携</a:t>
-            </a:r>
-            <a:endParaRPr lang="en-US" sz="4800" dirty="0"/>
-          </a:p>
-        </p:txBody>
-      </p:sp>
-      <p:sp>
-        <p:nvSpPr>
-          <p:cNvPr id="3" name="Text 1"/>
-          <p:cNvSpPr/>
-          <p:nvPr/>
-        </p:nvSpPr>
-        <p:spPr>
-          <a:xfrm>
-            <a:off x="0" y="914400"/>
-            <a:ext cx="9144000" cy="1828800"/>
-          </a:xfrm>
-          <a:prstGeom prst="rect">
-            <a:avLst/>
-          </a:prstGeom>
-          <a:noFill/>
-          <a:ln/>
-        </p:spPr>
-        <p:txBody>
-          <a:bodyPr wrap="square" rtlCol="0" anchor="ctr"/>
-          <a:lstStyle/>
-          <a:p>
-            <a:pPr algn="ctr" indent="0" marL="0">
-              <a:buNone/>
-            </a:pPr>
-            <a:endParaRPr lang="en-US" sz="3600" dirty="0"/>
-          </a:p>
-          <a:p>
-            <a:pPr algn="ctr" indent="0" marL="0">
-              <a:buNone/>
-            </a:pPr>
-            <a:endParaRPr lang="en-US" sz="3600" dirty="0"/>
-          </a:p>
-          <a:p>
-            <a:pPr algn="ctr" indent="0" marL="0">
-              <a:buNone/>
-            </a:pPr>
-            <a:r>
-              <a:rPr lang="en-US" sz="3600" dirty="0">
-                <a:solidFill>
-                  <a:srgbClr val="404040"/>
-                </a:solidFill>
-              </a:rPr>
-              <a:t>れんけい</a:t>
-            </a:r>
-            <a:endParaRPr lang="en-US" sz="3600" dirty="0"/>
-          </a:p>
-        </p:txBody>
-      </p:sp>
-      <p:sp>
-        <p:nvSpPr>
-          <p:cNvPr id="4" name="Text 2"/>
-          <p:cNvSpPr/>
-          <p:nvPr/>
-        </p:nvSpPr>
-        <p:spPr>
-          <a:xfrm>
-            <a:off x="0" y="2743200"/>
-            <a:ext cx="9144000" cy="1828800"/>
-          </a:xfrm>
-          <a:prstGeom prst="rect">
-            <a:avLst/>
-          </a:prstGeom>
-          <a:noFill/>
-          <a:ln/>
-        </p:spPr>
-        <p:txBody>
-          <a:bodyPr wrap="square" rtlCol="0" anchor="ctr"/>
-          <a:lstStyle/>
-          <a:p>
-            <a:pPr algn="ctr" indent="0" marL="0">
-              <a:buNone/>
-            </a:pPr>
-            <a:r>
-              <a:rPr lang="en-US" sz="3600" dirty="0">
-                <a:solidFill>
-                  <a:srgbClr val="808080"/>
-                </a:solidFill>
-              </a:rPr>
-              <a:t>cooperation, coordination, link...</a:t>
-            </a:r>
-            <a:endParaRPr lang="en-US" sz="3600" dirty="0"/>
-          </a:p>
-        </p:txBody>
-      </p:sp>
-      <p:sp>
-        <p:nvSpPr>
-          <p:cNvPr id="5" name="Text 3"/>
-          <p:cNvSpPr/>
-          <p:nvPr/>
-        </p:nvSpPr>
-        <p:spPr>
-          <a:xfrm>
-            <a:off x="0" y="3657600"/>
-            <a:ext cx="8686800" cy="1828800"/>
-          </a:xfrm>
-          <a:prstGeom prst="rect">
-            <a:avLst/>
-          </a:prstGeom>
-          <a:noFill/>
-          <a:ln/>
-        </p:spPr>
-        <p:txBody>
-          <a:bodyPr wrap="square" rtlCol="0" anchor="ctr"/>
-          <a:lstStyle/>
-          <a:p>
-            <a:pPr algn="r" indent="0" marL="0">
-              <a:buNone/>
-            </a:pPr>
-            <a:r>
-              <a:rPr lang="en-US" sz="2400" dirty="0">
-                <a:solidFill>
-                  <a:srgbClr val="808080"/>
-                </a:solidFill>
-              </a:rPr>
-              <a:t>69-70</a:t>
+              <a:t>67-68</a:t>
             </a:r>
             <a:endParaRPr lang="en-US" sz="2400" dirty="0"/>
           </a:p>
@@ -3141,7 +1791,7 @@
                   <a:srgbClr val="000000"/>
                 </a:solidFill>
               </a:rPr>
-              <a:t>環境</a:t>
+              <a:t>殺人</a:t>
             </a:r>
             <a:endParaRPr lang="en-US" sz="4800" dirty="0"/>
           </a:p>
@@ -3189,7 +1839,7 @@
                   <a:srgbClr val="404040"/>
                 </a:solidFill>
               </a:rPr>
-              <a:t>かんきょう</a:t>
+              <a:t>さつじん</a:t>
             </a:r>
             <a:endParaRPr lang="en-US" sz="3600" dirty="0"/>
           </a:p>
@@ -3225,7 +1875,7 @@
                   <a:srgbClr val="808080"/>
                 </a:solidFill>
               </a:rPr>
-              <a:t>environment, circumstance...</a:t>
+              <a:t>murder, homicide, manslaughter...</a:t>
             </a:r>
             <a:endParaRPr lang="en-US" sz="3600" dirty="0"/>
           </a:p>
@@ -3261,7 +1911,7 @@
                   <a:srgbClr val="808080"/>
                 </a:solidFill>
               </a:rPr>
-              <a:t>69-70</a:t>
+              <a:t>67-68</a:t>
             </a:r>
             <a:endParaRPr lang="en-US" sz="2400" dirty="0"/>
           </a:p>
@@ -3322,7 +1972,7 @@
                   <a:srgbClr val="000000"/>
                 </a:solidFill>
               </a:rPr>
-              <a:t>音響</a:t>
+              <a:t>農薬</a:t>
             </a:r>
             <a:endParaRPr lang="en-US" sz="4800" dirty="0"/>
           </a:p>
@@ -3370,7 +2020,7 @@
                   <a:srgbClr val="404040"/>
                 </a:solidFill>
               </a:rPr>
-              <a:t>おんきょう</a:t>
+              <a:t>のうやく</a:t>
             </a:r>
             <a:endParaRPr lang="en-US" sz="3600" dirty="0"/>
           </a:p>
@@ -3406,7 +2056,7 @@
                   <a:srgbClr val="808080"/>
                 </a:solidFill>
               </a:rPr>
-              <a:t>sound, noise, acoustics, reverberation, echo, audio...</a:t>
+              <a:t>agricultural chemical (i.e. pesticide, herbicide, fungicide, etc.), agrochemical, agrichemical...</a:t>
             </a:r>
             <a:endParaRPr lang="en-US" sz="3600" dirty="0"/>
           </a:p>
@@ -3442,7 +2092,7 @@
                   <a:srgbClr val="808080"/>
                 </a:solidFill>
               </a:rPr>
-              <a:t>69-70</a:t>
+              <a:t>67-68</a:t>
             </a:r>
             <a:endParaRPr lang="en-US" sz="2400" dirty="0"/>
           </a:p>
@@ -3503,7 +2153,7 @@
                   <a:srgbClr val="000000"/>
                 </a:solidFill>
               </a:rPr>
-              <a:t>影</a:t>
+              <a:t>収入印紙</a:t>
             </a:r>
             <a:endParaRPr lang="en-US" sz="4800" dirty="0"/>
           </a:p>
@@ -3551,7 +2201,7 @@
                   <a:srgbClr val="404040"/>
                 </a:solidFill>
               </a:rPr>
-              <a:t>かげ</a:t>
+              <a:t>しゅうにゅういんし</a:t>
             </a:r>
             <a:endParaRPr lang="en-US" sz="3600" dirty="0"/>
           </a:p>
@@ -3587,7 +2237,7 @@
                   <a:srgbClr val="808080"/>
                 </a:solidFill>
               </a:rPr>
-              <a:t>shadow, silhouette, figure, shape | reflection, image | ominous sign | light (stars, moon) | trace, shadow (of one's form...</a:t>
+              <a:t>revenue stamp...</a:t>
             </a:r>
             <a:endParaRPr lang="en-US" sz="3600" dirty="0"/>
           </a:p>
@@ -3623,7 +2273,7 @@
                   <a:srgbClr val="808080"/>
                 </a:solidFill>
               </a:rPr>
-              <a:t>69-70</a:t>
+              <a:t>67-68</a:t>
             </a:r>
             <a:endParaRPr lang="en-US" sz="2400" dirty="0"/>
           </a:p>
@@ -3684,7 +2334,7 @@
                   <a:srgbClr val="000000"/>
                 </a:solidFill>
               </a:rPr>
-              <a:t>影響</a:t>
+              <a:t>収穫</a:t>
             </a:r>
             <a:endParaRPr lang="en-US" sz="4800" dirty="0"/>
           </a:p>
@@ -3732,7 +2382,7 @@
                   <a:srgbClr val="404040"/>
                 </a:solidFill>
               </a:rPr>
-              <a:t>えいきょう</a:t>
+              <a:t>しゅうかく</a:t>
             </a:r>
             <a:endParaRPr lang="en-US" sz="3600" dirty="0"/>
           </a:p>
@@ -3768,7 +2418,7 @@
                   <a:srgbClr val="808080"/>
                 </a:solidFill>
               </a:rPr>
-              <a:t>influence, effect, impact...</a:t>
+              <a:t>harvest, crop, ingathering | fruits (of one's labors), gain, result, returns...</a:t>
             </a:r>
             <a:endParaRPr lang="en-US" sz="3600" dirty="0"/>
           </a:p>
@@ -3804,7 +2454,7 @@
                   <a:srgbClr val="808080"/>
                 </a:solidFill>
               </a:rPr>
-              <a:t>69-70</a:t>
+              <a:t>67-68</a:t>
             </a:r>
             <a:endParaRPr lang="en-US" sz="2400" dirty="0"/>
           </a:p>
@@ -3865,7 +2515,7 @@
                   <a:srgbClr val="000000"/>
                 </a:solidFill>
               </a:rPr>
-              <a:t>感染</a:t>
+              <a:t>少量</a:t>
             </a:r>
             <a:endParaRPr lang="en-US" sz="4800" dirty="0"/>
           </a:p>
@@ -3913,7 +2563,7 @@
                   <a:srgbClr val="404040"/>
                 </a:solidFill>
               </a:rPr>
-              <a:t>かんせん</a:t>
+              <a:t>しょうりょう</a:t>
             </a:r>
             <a:endParaRPr lang="en-US" sz="3600" dirty="0"/>
           </a:p>
@@ -3949,7 +2599,7 @@
                   <a:srgbClr val="808080"/>
                 </a:solidFill>
               </a:rPr>
-              <a:t>infection, contagion, becoming infected | being infected (e.g. with harmful ideas), being influenced (by)...</a:t>
+              <a:t>small quantity, small amount | narrowmindedness...</a:t>
             </a:r>
             <a:endParaRPr lang="en-US" sz="3600" dirty="0"/>
           </a:p>
@@ -3985,7 +2635,7 @@
                   <a:srgbClr val="808080"/>
                 </a:solidFill>
               </a:rPr>
-              <a:t>69-70</a:t>
+              <a:t>67-68</a:t>
             </a:r>
             <a:endParaRPr lang="en-US" sz="2400" dirty="0"/>
           </a:p>
@@ -4046,7 +2696,7 @@
                   <a:srgbClr val="000000"/>
                 </a:solidFill>
               </a:rPr>
-              <a:t>汚い</a:t>
+              <a:t>完全</a:t>
             </a:r>
             <a:endParaRPr lang="en-US" sz="4800" dirty="0"/>
           </a:p>
@@ -4094,7 +2744,7 @@
                   <a:srgbClr val="404040"/>
                 </a:solidFill>
               </a:rPr>
-              <a:t>きたない</a:t>
+              <a:t>かんぜん</a:t>
             </a:r>
             <a:endParaRPr lang="en-US" sz="3600" dirty="0"/>
           </a:p>
@@ -4130,7 +2780,7 @@
                   <a:srgbClr val="808080"/>
                 </a:solidFill>
               </a:rPr>
-              <a:t>dirty, filthy, foul, unclean | disordered, messy, untidy, poor (e.g. handwriting) | indecent (language, etc.), dirty, vul...</a:t>
+              <a:t>perfect, complete...</a:t>
             </a:r>
             <a:endParaRPr lang="en-US" sz="3600" dirty="0"/>
           </a:p>
@@ -4166,7 +2816,7 @@
                   <a:srgbClr val="808080"/>
                 </a:solidFill>
               </a:rPr>
-              <a:t>69-70</a:t>
+              <a:t>67-68</a:t>
             </a:r>
             <a:endParaRPr lang="en-US" sz="2400" dirty="0"/>
           </a:p>
@@ -4227,7 +2877,7 @@
                   <a:srgbClr val="000000"/>
                 </a:solidFill>
               </a:rPr>
-              <a:t>汚す</a:t>
+              <a:t>原因</a:t>
             </a:r>
             <a:endParaRPr lang="en-US" sz="4800" dirty="0"/>
           </a:p>
@@ -4275,7 +2925,7 @@
                   <a:srgbClr val="404040"/>
                 </a:solidFill>
               </a:rPr>
-              <a:t>よごす</a:t>
+              <a:t>げんいん</a:t>
             </a:r>
             <a:endParaRPr lang="en-US" sz="3600" dirty="0"/>
           </a:p>
@@ -4311,7 +2961,7 @@
                   <a:srgbClr val="808080"/>
                 </a:solidFill>
               </a:rPr>
-              <a:t>to pollute, to contaminate, to soil, to make dirty, to stain | to disgrace, to dishonour, to dishonor, to defile...</a:t>
+              <a:t>cause, origin, source...</a:t>
             </a:r>
             <a:endParaRPr lang="en-US" sz="3600" dirty="0"/>
           </a:p>
@@ -4347,7 +2997,7 @@
                   <a:srgbClr val="808080"/>
                 </a:solidFill>
               </a:rPr>
-              <a:t>69-70</a:t>
+              <a:t>67-68</a:t>
             </a:r>
             <a:endParaRPr lang="en-US" sz="2400" dirty="0"/>
           </a:p>
@@ -4408,7 +3058,7 @@
                   <a:srgbClr val="000000"/>
                 </a:solidFill>
               </a:rPr>
-              <a:t>汚染</a:t>
+              <a:t>一環</a:t>
             </a:r>
             <a:endParaRPr lang="en-US" sz="4800" dirty="0"/>
           </a:p>
@@ -4456,7 +3106,7 @@
                   <a:srgbClr val="404040"/>
                 </a:solidFill>
               </a:rPr>
-              <a:t>おせん</a:t>
+              <a:t>いっかん</a:t>
             </a:r>
             <a:endParaRPr lang="en-US" sz="3600" dirty="0"/>
           </a:p>
@@ -4492,7 +3142,7 @@
                   <a:srgbClr val="808080"/>
                 </a:solidFill>
               </a:rPr>
-              <a:t>pollution, contamination...</a:t>
+              <a:t>link (e.g. in a chain of events), part (of a plan, campaign, activities, etc.) | monocyclic...</a:t>
             </a:r>
             <a:endParaRPr lang="en-US" sz="3600" dirty="0"/>
           </a:p>
@@ -4528,7 +3178,7 @@
                   <a:srgbClr val="808080"/>
                 </a:solidFill>
               </a:rPr>
-              <a:t>69-70</a:t>
+              <a:t>67-68</a:t>
             </a:r>
             <a:endParaRPr lang="en-US" sz="2400" dirty="0"/>
           </a:p>
